--- a/活出愛.pptx
+++ b/活出愛.pptx
@@ -292,7 +292,7 @@
             <a:fld id="{00B09C42-95F1-4C8F-910C-F549F8449038}" type="datetimeFigureOut">
               <a:rPr lang="zh-TW" altLang="en-US" smtClean="0"/>
               <a:pPr/>
-              <a:t>2017/12/23</a:t>
+              <a:t>2019/3/5</a:t>
             </a:fld>
             <a:endParaRPr lang="zh-TW" altLang="en-US"/>
           </a:p>
@@ -459,7 +459,7 @@
             <a:fld id="{00B09C42-95F1-4C8F-910C-F549F8449038}" type="datetimeFigureOut">
               <a:rPr lang="zh-TW" altLang="en-US" smtClean="0"/>
               <a:pPr/>
-              <a:t>2017/12/23</a:t>
+              <a:t>2019/3/5</a:t>
             </a:fld>
             <a:endParaRPr lang="zh-TW" altLang="en-US"/>
           </a:p>
@@ -636,7 +636,7 @@
             <a:fld id="{00B09C42-95F1-4C8F-910C-F549F8449038}" type="datetimeFigureOut">
               <a:rPr lang="zh-TW" altLang="en-US" smtClean="0"/>
               <a:pPr/>
-              <a:t>2017/12/23</a:t>
+              <a:t>2019/3/5</a:t>
             </a:fld>
             <a:endParaRPr lang="zh-TW" altLang="en-US"/>
           </a:p>
@@ -803,7 +803,7 @@
             <a:fld id="{00B09C42-95F1-4C8F-910C-F549F8449038}" type="datetimeFigureOut">
               <a:rPr lang="zh-TW" altLang="en-US" smtClean="0"/>
               <a:pPr/>
-              <a:t>2017/12/23</a:t>
+              <a:t>2019/3/5</a:t>
             </a:fld>
             <a:endParaRPr lang="zh-TW" altLang="en-US"/>
           </a:p>
@@ -1046,7 +1046,7 @@
             <a:fld id="{00B09C42-95F1-4C8F-910C-F549F8449038}" type="datetimeFigureOut">
               <a:rPr lang="zh-TW" altLang="en-US" smtClean="0"/>
               <a:pPr/>
-              <a:t>2017/12/23</a:t>
+              <a:t>2019/3/5</a:t>
             </a:fld>
             <a:endParaRPr lang="zh-TW" altLang="en-US"/>
           </a:p>
@@ -1331,7 +1331,7 @@
             <a:fld id="{00B09C42-95F1-4C8F-910C-F549F8449038}" type="datetimeFigureOut">
               <a:rPr lang="zh-TW" altLang="en-US" smtClean="0"/>
               <a:pPr/>
-              <a:t>2017/12/23</a:t>
+              <a:t>2019/3/5</a:t>
             </a:fld>
             <a:endParaRPr lang="zh-TW" altLang="en-US"/>
           </a:p>
@@ -1750,7 +1750,7 @@
             <a:fld id="{00B09C42-95F1-4C8F-910C-F549F8449038}" type="datetimeFigureOut">
               <a:rPr lang="zh-TW" altLang="en-US" smtClean="0"/>
               <a:pPr/>
-              <a:t>2017/12/23</a:t>
+              <a:t>2019/3/5</a:t>
             </a:fld>
             <a:endParaRPr lang="zh-TW" altLang="en-US"/>
           </a:p>
@@ -1865,7 +1865,7 @@
             <a:fld id="{00B09C42-95F1-4C8F-910C-F549F8449038}" type="datetimeFigureOut">
               <a:rPr lang="zh-TW" altLang="en-US" smtClean="0"/>
               <a:pPr/>
-              <a:t>2017/12/23</a:t>
+              <a:t>2019/3/5</a:t>
             </a:fld>
             <a:endParaRPr lang="zh-TW" altLang="en-US"/>
           </a:p>
@@ -1957,7 +1957,7 @@
             <a:fld id="{00B09C42-95F1-4C8F-910C-F549F8449038}" type="datetimeFigureOut">
               <a:rPr lang="zh-TW" altLang="en-US" smtClean="0"/>
               <a:pPr/>
-              <a:t>2017/12/23</a:t>
+              <a:t>2019/3/5</a:t>
             </a:fld>
             <a:endParaRPr lang="zh-TW" altLang="en-US"/>
           </a:p>
@@ -2231,7 +2231,7 @@
             <a:fld id="{00B09C42-95F1-4C8F-910C-F549F8449038}" type="datetimeFigureOut">
               <a:rPr lang="zh-TW" altLang="en-US" smtClean="0"/>
               <a:pPr/>
-              <a:t>2017/12/23</a:t>
+              <a:t>2019/3/5</a:t>
             </a:fld>
             <a:endParaRPr lang="zh-TW" altLang="en-US"/>
           </a:p>
@@ -2485,7 +2485,7 @@
             <a:fld id="{00B09C42-95F1-4C8F-910C-F549F8449038}" type="datetimeFigureOut">
               <a:rPr lang="zh-TW" altLang="en-US" smtClean="0"/>
               <a:pPr/>
-              <a:t>2017/12/23</a:t>
+              <a:t>2019/3/5</a:t>
             </a:fld>
             <a:endParaRPr lang="zh-TW" altLang="en-US"/>
           </a:p>
@@ -2700,7 +2700,7 @@
             <a:fld id="{00B09C42-95F1-4C8F-910C-F549F8449038}" type="datetimeFigureOut">
               <a:rPr lang="zh-TW" altLang="en-US" smtClean="0"/>
               <a:pPr/>
-              <a:t>2017/12/23</a:t>
+              <a:t>2019/3/5</a:t>
             </a:fld>
             <a:endParaRPr lang="zh-TW" altLang="en-US"/>
           </a:p>
@@ -3563,7 +3563,7 @@
               <a:buNone/>
             </a:pPr>
             <a:r>
-              <a:rPr lang="zh-CN" altLang="en-US" sz="5400" b="1" smtClean="0">
+              <a:rPr lang="zh-CN" altLang="en-US" sz="5400" b="1" dirty="0" smtClean="0">
                 <a:solidFill>
                   <a:srgbClr val="000066"/>
                 </a:solidFill>
@@ -3573,7 +3573,7 @@
               <a:t>敞開</a:t>
             </a:r>
             <a:r>
-              <a:rPr lang="zh-TW" altLang="en-US" sz="5400" b="1" smtClean="0">
+              <a:rPr lang="zh-TW" altLang="en-US" sz="5400" b="1" dirty="0" smtClean="0">
                 <a:solidFill>
                   <a:srgbClr val="000066"/>
                 </a:solidFill>

--- a/活出愛.pptx
+++ b/活出愛.pptx
@@ -8,9 +8,8 @@
     <p:sldId id="256" r:id="rId2"/>
     <p:sldId id="257" r:id="rId3"/>
     <p:sldId id="258" r:id="rId4"/>
-    <p:sldId id="259" r:id="rId5"/>
   </p:sldIdLst>
-  <p:sldSz cx="9144000" cy="6858000" type="screen4x3"/>
+  <p:sldSz cx="9144000" cy="5143500" type="screen16x9"/>
   <p:notesSz cx="6858000" cy="9144000"/>
   <p:defaultTextStyle>
     <a:defPPr>
@@ -139,8 +138,8 @@
         </p:nvSpPr>
         <p:spPr>
           <a:xfrm>
-            <a:off x="685800" y="2130425"/>
-            <a:ext cx="7772400" cy="1470025"/>
+            <a:off x="685800" y="1597819"/>
+            <a:ext cx="7772400" cy="1102519"/>
           </a:xfrm>
         </p:spPr>
         <p:txBody>
@@ -167,8 +166,8 @@
         </p:nvSpPr>
         <p:spPr>
           <a:xfrm>
-            <a:off x="1371600" y="3886200"/>
-            <a:ext cx="6400800" cy="1752600"/>
+            <a:off x="1371600" y="2914650"/>
+            <a:ext cx="6400800" cy="1314450"/>
           </a:xfrm>
         </p:spPr>
         <p:txBody>
@@ -292,7 +291,7 @@
             <a:fld id="{00B09C42-95F1-4C8F-910C-F549F8449038}" type="datetimeFigureOut">
               <a:rPr lang="zh-TW" altLang="en-US" smtClean="0"/>
               <a:pPr/>
-              <a:t>2019/3/5</a:t>
+              <a:t>2019/7/27</a:t>
             </a:fld>
             <a:endParaRPr lang="zh-TW" altLang="en-US"/>
           </a:p>
@@ -459,7 +458,7 @@
             <a:fld id="{00B09C42-95F1-4C8F-910C-F549F8449038}" type="datetimeFigureOut">
               <a:rPr lang="zh-TW" altLang="en-US" smtClean="0"/>
               <a:pPr/>
-              <a:t>2019/3/5</a:t>
+              <a:t>2019/7/27</a:t>
             </a:fld>
             <a:endParaRPr lang="zh-TW" altLang="en-US"/>
           </a:p>
@@ -545,8 +544,8 @@
         </p:nvSpPr>
         <p:spPr>
           <a:xfrm>
-            <a:off x="6629400" y="274638"/>
-            <a:ext cx="2057400" cy="5851525"/>
+            <a:off x="6629400" y="205979"/>
+            <a:ext cx="2057400" cy="4388644"/>
           </a:xfrm>
         </p:spPr>
         <p:txBody>
@@ -573,8 +572,8 @@
         </p:nvSpPr>
         <p:spPr>
           <a:xfrm>
-            <a:off x="457200" y="274638"/>
-            <a:ext cx="6019800" cy="5851525"/>
+            <a:off x="457200" y="205979"/>
+            <a:ext cx="6019800" cy="4388644"/>
           </a:xfrm>
         </p:spPr>
         <p:txBody>
@@ -636,7 +635,7 @@
             <a:fld id="{00B09C42-95F1-4C8F-910C-F549F8449038}" type="datetimeFigureOut">
               <a:rPr lang="zh-TW" altLang="en-US" smtClean="0"/>
               <a:pPr/>
-              <a:t>2019/3/5</a:t>
+              <a:t>2019/7/27</a:t>
             </a:fld>
             <a:endParaRPr lang="zh-TW" altLang="en-US"/>
           </a:p>
@@ -803,7 +802,7 @@
             <a:fld id="{00B09C42-95F1-4C8F-910C-F549F8449038}" type="datetimeFigureOut">
               <a:rPr lang="zh-TW" altLang="en-US" smtClean="0"/>
               <a:pPr/>
-              <a:t>2019/3/5</a:t>
+              <a:t>2019/7/27</a:t>
             </a:fld>
             <a:endParaRPr lang="zh-TW" altLang="en-US"/>
           </a:p>
@@ -889,8 +888,8 @@
         </p:nvSpPr>
         <p:spPr>
           <a:xfrm>
-            <a:off x="722313" y="4406900"/>
-            <a:ext cx="7772400" cy="1362075"/>
+            <a:off x="722313" y="3305176"/>
+            <a:ext cx="7772400" cy="1021556"/>
           </a:xfrm>
         </p:spPr>
         <p:txBody>
@@ -921,8 +920,8 @@
         </p:nvSpPr>
         <p:spPr>
           <a:xfrm>
-            <a:off x="722313" y="2906713"/>
-            <a:ext cx="7772400" cy="1500187"/>
+            <a:off x="722313" y="2180035"/>
+            <a:ext cx="7772400" cy="1125140"/>
           </a:xfrm>
         </p:spPr>
         <p:txBody>
@@ -1046,7 +1045,7 @@
             <a:fld id="{00B09C42-95F1-4C8F-910C-F549F8449038}" type="datetimeFigureOut">
               <a:rPr lang="zh-TW" altLang="en-US" smtClean="0"/>
               <a:pPr/>
-              <a:t>2019/3/5</a:t>
+              <a:t>2019/7/27</a:t>
             </a:fld>
             <a:endParaRPr lang="zh-TW" altLang="en-US"/>
           </a:p>
@@ -1155,8 +1154,8 @@
         </p:nvSpPr>
         <p:spPr>
           <a:xfrm>
-            <a:off x="457200" y="1600200"/>
-            <a:ext cx="4038600" cy="4525963"/>
+            <a:off x="457200" y="1200151"/>
+            <a:ext cx="4038600" cy="3394472"/>
           </a:xfrm>
         </p:spPr>
         <p:txBody>
@@ -1240,8 +1239,8 @@
         </p:nvSpPr>
         <p:spPr>
           <a:xfrm>
-            <a:off x="4648200" y="1600200"/>
-            <a:ext cx="4038600" cy="4525963"/>
+            <a:off x="4648200" y="1200151"/>
+            <a:ext cx="4038600" cy="3394472"/>
           </a:xfrm>
         </p:spPr>
         <p:txBody>
@@ -1331,7 +1330,7 @@
             <a:fld id="{00B09C42-95F1-4C8F-910C-F549F8449038}" type="datetimeFigureOut">
               <a:rPr lang="zh-TW" altLang="en-US" smtClean="0"/>
               <a:pPr/>
-              <a:t>2019/3/5</a:t>
+              <a:t>2019/7/27</a:t>
             </a:fld>
             <a:endParaRPr lang="zh-TW" altLang="en-US"/>
           </a:p>
@@ -1444,8 +1443,8 @@
         </p:nvSpPr>
         <p:spPr>
           <a:xfrm>
-            <a:off x="457200" y="1535113"/>
-            <a:ext cx="4040188" cy="639762"/>
+            <a:off x="457200" y="1151335"/>
+            <a:ext cx="4040188" cy="479822"/>
           </a:xfrm>
         </p:spPr>
         <p:txBody>
@@ -1509,8 +1508,8 @@
         </p:nvSpPr>
         <p:spPr>
           <a:xfrm>
-            <a:off x="457200" y="2174875"/>
-            <a:ext cx="4040188" cy="3951288"/>
+            <a:off x="457200" y="1631156"/>
+            <a:ext cx="4040188" cy="2963466"/>
           </a:xfrm>
         </p:spPr>
         <p:txBody>
@@ -1594,8 +1593,8 @@
         </p:nvSpPr>
         <p:spPr>
           <a:xfrm>
-            <a:off x="4645025" y="1535113"/>
-            <a:ext cx="4041775" cy="639762"/>
+            <a:off x="4645026" y="1151335"/>
+            <a:ext cx="4041775" cy="479822"/>
           </a:xfrm>
         </p:spPr>
         <p:txBody>
@@ -1659,8 +1658,8 @@
         </p:nvSpPr>
         <p:spPr>
           <a:xfrm>
-            <a:off x="4645025" y="2174875"/>
-            <a:ext cx="4041775" cy="3951288"/>
+            <a:off x="4645026" y="1631156"/>
+            <a:ext cx="4041775" cy="2963466"/>
           </a:xfrm>
         </p:spPr>
         <p:txBody>
@@ -1750,7 +1749,7 @@
             <a:fld id="{00B09C42-95F1-4C8F-910C-F549F8449038}" type="datetimeFigureOut">
               <a:rPr lang="zh-TW" altLang="en-US" smtClean="0"/>
               <a:pPr/>
-              <a:t>2019/3/5</a:t>
+              <a:t>2019/7/27</a:t>
             </a:fld>
             <a:endParaRPr lang="zh-TW" altLang="en-US"/>
           </a:p>
@@ -1865,7 +1864,7 @@
             <a:fld id="{00B09C42-95F1-4C8F-910C-F549F8449038}" type="datetimeFigureOut">
               <a:rPr lang="zh-TW" altLang="en-US" smtClean="0"/>
               <a:pPr/>
-              <a:t>2019/3/5</a:t>
+              <a:t>2019/7/27</a:t>
             </a:fld>
             <a:endParaRPr lang="zh-TW" altLang="en-US"/>
           </a:p>
@@ -1957,7 +1956,7 @@
             <a:fld id="{00B09C42-95F1-4C8F-910C-F549F8449038}" type="datetimeFigureOut">
               <a:rPr lang="zh-TW" altLang="en-US" smtClean="0"/>
               <a:pPr/>
-              <a:t>2019/3/5</a:t>
+              <a:t>2019/7/27</a:t>
             </a:fld>
             <a:endParaRPr lang="zh-TW" altLang="en-US"/>
           </a:p>
@@ -2043,8 +2042,8 @@
         </p:nvSpPr>
         <p:spPr>
           <a:xfrm>
-            <a:off x="457200" y="273050"/>
-            <a:ext cx="3008313" cy="1162050"/>
+            <a:off x="457201" y="204787"/>
+            <a:ext cx="3008313" cy="871538"/>
           </a:xfrm>
         </p:spPr>
         <p:txBody>
@@ -2075,8 +2074,8 @@
         </p:nvSpPr>
         <p:spPr>
           <a:xfrm>
-            <a:off x="3575050" y="273050"/>
-            <a:ext cx="5111750" cy="5853113"/>
+            <a:off x="3575050" y="204788"/>
+            <a:ext cx="5111750" cy="4389835"/>
           </a:xfrm>
         </p:spPr>
         <p:txBody>
@@ -2160,8 +2159,8 @@
         </p:nvSpPr>
         <p:spPr>
           <a:xfrm>
-            <a:off x="457200" y="1435100"/>
-            <a:ext cx="3008313" cy="4691063"/>
+            <a:off x="457201" y="1076326"/>
+            <a:ext cx="3008313" cy="3518297"/>
           </a:xfrm>
         </p:spPr>
         <p:txBody>
@@ -2231,7 +2230,7 @@
             <a:fld id="{00B09C42-95F1-4C8F-910C-F549F8449038}" type="datetimeFigureOut">
               <a:rPr lang="zh-TW" altLang="en-US" smtClean="0"/>
               <a:pPr/>
-              <a:t>2019/3/5</a:t>
+              <a:t>2019/7/27</a:t>
             </a:fld>
             <a:endParaRPr lang="zh-TW" altLang="en-US"/>
           </a:p>
@@ -2317,8 +2316,8 @@
         </p:nvSpPr>
         <p:spPr>
           <a:xfrm>
-            <a:off x="1792288" y="4800600"/>
-            <a:ext cx="5486400" cy="566738"/>
+            <a:off x="1792288" y="3600450"/>
+            <a:ext cx="5486400" cy="425054"/>
           </a:xfrm>
         </p:spPr>
         <p:txBody>
@@ -2349,8 +2348,8 @@
         </p:nvSpPr>
         <p:spPr>
           <a:xfrm>
-            <a:off x="1792288" y="612775"/>
-            <a:ext cx="5486400" cy="4114800"/>
+            <a:off x="1792288" y="459581"/>
+            <a:ext cx="5486400" cy="3086100"/>
           </a:xfrm>
         </p:spPr>
         <p:txBody>
@@ -2414,8 +2413,8 @@
         </p:nvSpPr>
         <p:spPr>
           <a:xfrm>
-            <a:off x="1792288" y="5367338"/>
-            <a:ext cx="5486400" cy="804862"/>
+            <a:off x="1792288" y="4025503"/>
+            <a:ext cx="5486400" cy="603647"/>
           </a:xfrm>
         </p:spPr>
         <p:txBody>
@@ -2485,7 +2484,7 @@
             <a:fld id="{00B09C42-95F1-4C8F-910C-F549F8449038}" type="datetimeFigureOut">
               <a:rPr lang="zh-TW" altLang="en-US" smtClean="0"/>
               <a:pPr/>
-              <a:t>2019/3/5</a:t>
+              <a:t>2019/7/27</a:t>
             </a:fld>
             <a:endParaRPr lang="zh-TW" altLang="en-US"/>
           </a:p>
@@ -2581,8 +2580,8 @@
         </p:nvSpPr>
         <p:spPr>
           <a:xfrm>
-            <a:off x="457200" y="274638"/>
-            <a:ext cx="8229600" cy="1143000"/>
+            <a:off x="457200" y="205979"/>
+            <a:ext cx="8229600" cy="857250"/>
           </a:xfrm>
           <a:prstGeom prst="rect">
             <a:avLst/>
@@ -2614,8 +2613,8 @@
         </p:nvSpPr>
         <p:spPr>
           <a:xfrm>
-            <a:off x="457200" y="1600200"/>
-            <a:ext cx="8229600" cy="4525963"/>
+            <a:off x="457200" y="1200151"/>
+            <a:ext cx="8229600" cy="3394472"/>
           </a:xfrm>
           <a:prstGeom prst="rect">
             <a:avLst/>
@@ -2676,8 +2675,8 @@
         </p:nvSpPr>
         <p:spPr>
           <a:xfrm>
-            <a:off x="457200" y="6356350"/>
-            <a:ext cx="2133600" cy="365125"/>
+            <a:off x="457200" y="4767263"/>
+            <a:ext cx="2133600" cy="273844"/>
           </a:xfrm>
           <a:prstGeom prst="rect">
             <a:avLst/>
@@ -2700,7 +2699,7 @@
             <a:fld id="{00B09C42-95F1-4C8F-910C-F549F8449038}" type="datetimeFigureOut">
               <a:rPr lang="zh-TW" altLang="en-US" smtClean="0"/>
               <a:pPr/>
-              <a:t>2019/3/5</a:t>
+              <a:t>2019/7/27</a:t>
             </a:fld>
             <a:endParaRPr lang="zh-TW" altLang="en-US"/>
           </a:p>
@@ -2718,8 +2717,8 @@
         </p:nvSpPr>
         <p:spPr>
           <a:xfrm>
-            <a:off x="3124200" y="6356350"/>
-            <a:ext cx="2895600" cy="365125"/>
+            <a:off x="3124200" y="4767263"/>
+            <a:ext cx="2895600" cy="273844"/>
           </a:xfrm>
           <a:prstGeom prst="rect">
             <a:avLst/>
@@ -2755,8 +2754,8 @@
         </p:nvSpPr>
         <p:spPr>
           <a:xfrm>
-            <a:off x="6553200" y="6356350"/>
-            <a:ext cx="2133600" cy="365125"/>
+            <a:off x="6553200" y="4767263"/>
+            <a:ext cx="2133600" cy="273844"/>
           </a:xfrm>
           <a:prstGeom prst="rect">
             <a:avLst/>
@@ -3084,15 +3083,17 @@
         <p:spPr>
           <a:xfrm>
             <a:off x="0" y="0"/>
-            <a:ext cx="9144000" cy="1524000"/>
+            <a:ext cx="9144000" cy="1143000"/>
           </a:xfrm>
         </p:spPr>
         <p:txBody>
-          <a:bodyPr/>
-          <a:lstStyle/>
-          <a:p>
-            <a:r>
-              <a:rPr lang="zh-CN" altLang="en-US" b="1" dirty="0" smtClean="0">
+          <a:bodyPr>
+            <a:normAutofit/>
+          </a:bodyPr>
+          <a:lstStyle/>
+          <a:p>
+            <a:r>
+              <a:rPr lang="zh-CN" altLang="en-US" sz="4000" b="1" dirty="0" smtClean="0">
                 <a:solidFill>
                   <a:srgbClr val="000066"/>
                 </a:solidFill>
@@ -3101,7 +3102,7 @@
               </a:rPr>
               <a:t>活出愛</a:t>
             </a:r>
-            <a:endParaRPr lang="zh-TW" altLang="en-US" b="1" dirty="0">
+            <a:endParaRPr lang="zh-TW" altLang="en-US" sz="4000" b="1" dirty="0">
               <a:solidFill>
                 <a:srgbClr val="000066"/>
               </a:solidFill>
@@ -3123,8 +3124,8 @@
         </p:nvSpPr>
         <p:spPr>
           <a:xfrm>
-            <a:off x="0" y="1600200"/>
-            <a:ext cx="9144000" cy="5257800"/>
+            <a:off x="0" y="1200150"/>
+            <a:ext cx="9144000" cy="3943350"/>
           </a:xfrm>
         </p:spPr>
         <p:txBody>
@@ -3137,7 +3138,7 @@
               <a:buNone/>
             </a:pPr>
             <a:r>
-              <a:rPr lang="zh-TW" altLang="en-US" sz="5400" b="1" dirty="0">
+              <a:rPr lang="zh-TW" altLang="en-US" sz="4800" b="1" dirty="0">
                 <a:solidFill>
                   <a:srgbClr val="000066"/>
                 </a:solidFill>
@@ -3147,7 +3148,7 @@
               <a:t>有一份</a:t>
             </a:r>
             <a:r>
-              <a:rPr lang="zh-TW" altLang="en-US" sz="5400" b="1" dirty="0" smtClean="0">
+              <a:rPr lang="zh-TW" altLang="en-US" sz="4800" b="1" dirty="0" smtClean="0">
                 <a:solidFill>
                   <a:srgbClr val="000066"/>
                 </a:solidFill>
@@ -3157,7 +3158,7 @@
               <a:t>愛從</a:t>
             </a:r>
             <a:r>
-              <a:rPr lang="zh-TW" altLang="en-US" sz="5400" b="1" dirty="0">
+              <a:rPr lang="zh-TW" altLang="en-US" sz="4800" b="1" dirty="0">
                 <a:solidFill>
                   <a:srgbClr val="000066"/>
                 </a:solidFill>
@@ -3167,7 +3168,7 @@
               <a:t>天而</a:t>
             </a:r>
             <a:r>
-              <a:rPr lang="zh-TW" altLang="en-US" sz="5400" b="1" dirty="0" smtClean="0">
+              <a:rPr lang="zh-TW" altLang="en-US" sz="4800" b="1" dirty="0" smtClean="0">
                 <a:solidFill>
                   <a:srgbClr val="000066"/>
                 </a:solidFill>
@@ -3176,7 +3177,17 @@
               </a:rPr>
               <a:t>來</a:t>
             </a:r>
-            <a:endParaRPr lang="en-US" altLang="zh-TW" sz="5400" b="1" dirty="0" smtClean="0">
+            <a:r>
+              <a:rPr lang="en-US" altLang="zh-TW" sz="4800" b="1" dirty="0">
+                <a:solidFill>
+                  <a:srgbClr val="000066"/>
+                </a:solidFill>
+                <a:latin typeface="微軟正黑體" pitchFamily="34" charset="-120"/>
+                <a:ea typeface="微軟正黑體" pitchFamily="34" charset="-120"/>
+              </a:rPr>
+              <a:t> </a:t>
+            </a:r>
+            <a:endParaRPr lang="en-US" altLang="zh-TW" sz="4800" b="1" dirty="0" smtClean="0">
               <a:solidFill>
                 <a:srgbClr val="000066"/>
               </a:solidFill>
@@ -3189,36 +3200,16 @@
               <a:buNone/>
             </a:pPr>
             <a:r>
-              <a:rPr lang="zh-TW" altLang="en-US" sz="5400" b="1" dirty="0" smtClean="0">
+              <a:rPr lang="zh-TW" altLang="en-US" sz="4800" b="1" dirty="0" smtClean="0">
                 <a:solidFill>
                   <a:srgbClr val="000066"/>
                 </a:solidFill>
                 <a:latin typeface="微軟正黑體" pitchFamily="34" charset="-120"/>
                 <a:ea typeface="微軟正黑體" pitchFamily="34" charset="-120"/>
               </a:rPr>
-              <a:t>比</a:t>
-            </a:r>
-            <a:r>
-              <a:rPr lang="zh-TW" altLang="en-US" sz="5400" b="1" dirty="0">
-                <a:solidFill>
-                  <a:srgbClr val="000066"/>
-                </a:solidFill>
-                <a:latin typeface="微軟正黑體" pitchFamily="34" charset="-120"/>
-                <a:ea typeface="微軟正黑體" pitchFamily="34" charset="-120"/>
-              </a:rPr>
-              <a:t>山高 比海</a:t>
-            </a:r>
-            <a:r>
-              <a:rPr lang="zh-TW" altLang="en-US" sz="5400" b="1" dirty="0" smtClean="0">
-                <a:solidFill>
-                  <a:srgbClr val="000066"/>
-                </a:solidFill>
-                <a:latin typeface="微軟正黑體" pitchFamily="34" charset="-120"/>
-                <a:ea typeface="微軟正黑體" pitchFamily="34" charset="-120"/>
-              </a:rPr>
-              <a:t>深</a:t>
-            </a:r>
-            <a:endParaRPr lang="en-US" altLang="zh-TW" sz="5400" b="1" dirty="0">
+              <a:t>比山高 比海深</a:t>
+            </a:r>
+            <a:endParaRPr lang="en-US" altLang="zh-TW" sz="4800" b="1" dirty="0" smtClean="0">
               <a:solidFill>
                 <a:srgbClr val="000066"/>
               </a:solidFill>
@@ -3231,7 +3222,7 @@
               <a:buNone/>
             </a:pPr>
             <a:r>
-              <a:rPr lang="zh-TW" altLang="en-US" sz="5400" b="1" dirty="0" smtClean="0">
+              <a:rPr lang="zh-TW" altLang="en-US" sz="4800" b="1" dirty="0" smtClean="0">
                 <a:solidFill>
                   <a:srgbClr val="000066"/>
                 </a:solidFill>
@@ -3241,7 +3232,7 @@
               <a:t>測</a:t>
             </a:r>
             <a:r>
-              <a:rPr lang="zh-TW" altLang="en-US" sz="5400" b="1" dirty="0">
+              <a:rPr lang="zh-TW" altLang="en-US" sz="4800" b="1" dirty="0">
                 <a:solidFill>
                   <a:srgbClr val="000066"/>
                 </a:solidFill>
@@ -3251,7 +3242,7 @@
               <a:t>不</a:t>
             </a:r>
             <a:r>
-              <a:rPr lang="zh-TW" altLang="en-US" sz="5400" b="1" dirty="0" smtClean="0">
+              <a:rPr lang="zh-TW" altLang="en-US" sz="4800" b="1" dirty="0" smtClean="0">
                 <a:solidFill>
                   <a:srgbClr val="000066"/>
                 </a:solidFill>
@@ -3261,7 +3252,7 @@
               <a:t>透  摸</a:t>
             </a:r>
             <a:r>
-              <a:rPr lang="zh-TW" altLang="en-US" sz="5400" b="1" dirty="0">
+              <a:rPr lang="zh-TW" altLang="en-US" sz="4800" b="1" dirty="0">
                 <a:solidFill>
                   <a:srgbClr val="000066"/>
                 </a:solidFill>
@@ -3271,15 +3262,32 @@
               <a:t>不著 卻</a:t>
             </a:r>
             <a:r>
-              <a:rPr lang="zh-TW" altLang="en-US" sz="5400" b="1" dirty="0" smtClean="0">
+              <a:rPr lang="zh-TW" altLang="en-US" sz="4800" b="1" dirty="0" smtClean="0">
                 <a:solidFill>
                   <a:srgbClr val="000066"/>
                 </a:solidFill>
                 <a:latin typeface="微軟正黑體" pitchFamily="34" charset="-120"/>
                 <a:ea typeface="微軟正黑體" pitchFamily="34" charset="-120"/>
               </a:rPr>
-              <a:t>看得見</a:t>
-            </a:r>
+              <a:t>看得</a:t>
+            </a:r>
+            <a:r>
+              <a:rPr lang="zh-TW" altLang="en-US" sz="4800" b="1" dirty="0" smtClean="0">
+                <a:solidFill>
+                  <a:srgbClr val="000066"/>
+                </a:solidFill>
+                <a:latin typeface="微軟正黑體" pitchFamily="34" charset="-120"/>
+                <a:ea typeface="微軟正黑體" pitchFamily="34" charset="-120"/>
+              </a:rPr>
+              <a:t>見</a:t>
+            </a:r>
+            <a:endParaRPr lang="zh-TW" altLang="en-US" sz="4800" b="1" dirty="0" smtClean="0">
+              <a:solidFill>
+                <a:srgbClr val="000066"/>
+              </a:solidFill>
+              <a:latin typeface="微軟正黑體" pitchFamily="34" charset="-120"/>
+              <a:ea typeface="微軟正黑體" pitchFamily="34" charset="-120"/>
+            </a:endParaRPr>
           </a:p>
         </p:txBody>
       </p:sp>
@@ -3321,15 +3329,17 @@
         <p:spPr>
           <a:xfrm>
             <a:off x="0" y="0"/>
-            <a:ext cx="9144000" cy="1524000"/>
+            <a:ext cx="9144000" cy="1143000"/>
           </a:xfrm>
         </p:spPr>
         <p:txBody>
-          <a:bodyPr/>
-          <a:lstStyle/>
-          <a:p>
-            <a:r>
-              <a:rPr lang="zh-CN" altLang="en-US" b="1" dirty="0" smtClean="0">
+          <a:bodyPr>
+            <a:normAutofit/>
+          </a:bodyPr>
+          <a:lstStyle/>
+          <a:p>
+            <a:r>
+              <a:rPr lang="zh-CN" altLang="en-US" sz="4000" b="1" dirty="0">
                 <a:solidFill>
                   <a:srgbClr val="000066"/>
                 </a:solidFill>
@@ -3338,7 +3348,7 @@
               </a:rPr>
               <a:t>活出愛</a:t>
             </a:r>
-            <a:endParaRPr lang="zh-TW" altLang="en-US" b="1" dirty="0">
+            <a:endParaRPr lang="zh-TW" altLang="en-US" sz="4000" b="1" dirty="0">
               <a:solidFill>
                 <a:srgbClr val="000066"/>
               </a:solidFill>
@@ -3360,8 +3370,8 @@
         </p:nvSpPr>
         <p:spPr>
           <a:xfrm>
-            <a:off x="0" y="1600200"/>
-            <a:ext cx="9144000" cy="5257800"/>
+            <a:off x="0" y="1200150"/>
+            <a:ext cx="9144000" cy="3943350"/>
           </a:xfrm>
         </p:spPr>
         <p:txBody>
@@ -3374,26 +3384,16 @@
               <a:buNone/>
             </a:pPr>
             <a:r>
-              <a:rPr lang="zh-TW" altLang="en-US" sz="5400" b="1" dirty="0">
+              <a:rPr lang="zh-TW" altLang="en-US" sz="4800" b="1" dirty="0" smtClean="0">
                 <a:solidFill>
                   <a:srgbClr val="000066"/>
                 </a:solidFill>
                 <a:latin typeface="微軟正黑體" pitchFamily="34" charset="-120"/>
                 <a:ea typeface="微軟正黑體" pitchFamily="34" charset="-120"/>
               </a:rPr>
-              <a:t>因為有你 因為</a:t>
-            </a:r>
-            <a:r>
-              <a:rPr lang="zh-TW" altLang="en-US" sz="5400" b="1" dirty="0" smtClean="0">
-                <a:solidFill>
-                  <a:srgbClr val="000066"/>
-                </a:solidFill>
-                <a:latin typeface="微軟正黑體" pitchFamily="34" charset="-120"/>
-                <a:ea typeface="微軟正黑體" pitchFamily="34" charset="-120"/>
-              </a:rPr>
-              <a:t>有我</a:t>
-            </a:r>
-            <a:endParaRPr lang="en-US" altLang="zh-TW" sz="5400" b="1" dirty="0" smtClean="0">
+              <a:t>因為有你 因為有我</a:t>
+            </a:r>
+            <a:endParaRPr lang="en-US" altLang="zh-TW" sz="4800" b="1" dirty="0" smtClean="0">
               <a:solidFill>
                 <a:srgbClr val="000066"/>
               </a:solidFill>
@@ -3406,7 +3406,7 @@
               <a:buNone/>
             </a:pPr>
             <a:r>
-              <a:rPr lang="zh-TW" altLang="en-US" sz="5400" b="1" dirty="0" smtClean="0">
+              <a:rPr lang="zh-TW" altLang="en-US" sz="4800" b="1" dirty="0" smtClean="0">
                 <a:solidFill>
                   <a:srgbClr val="000066"/>
                 </a:solidFill>
@@ -3415,7 +3415,7 @@
               </a:rPr>
               <a:t>甘心給 用心愛</a:t>
             </a:r>
-            <a:endParaRPr lang="en-US" altLang="zh-TW" sz="5400" b="1" dirty="0" smtClean="0">
+            <a:endParaRPr lang="en-US" altLang="zh-TW" sz="4800" b="1" dirty="0" smtClean="0">
               <a:solidFill>
                 <a:srgbClr val="000066"/>
               </a:solidFill>
@@ -3428,7 +3428,7 @@
               <a:buNone/>
             </a:pPr>
             <a:r>
-              <a:rPr lang="zh-TW" altLang="en-US" sz="5400" b="1" dirty="0" smtClean="0">
+              <a:rPr lang="zh-TW" altLang="en-US" sz="4800" b="1" dirty="0" smtClean="0">
                 <a:solidFill>
                   <a:srgbClr val="000066"/>
                 </a:solidFill>
@@ -3437,6 +3437,13 @@
               </a:rPr>
               <a:t>把心中這一份愛 活出來</a:t>
             </a:r>
+            <a:endParaRPr lang="zh-TW" altLang="en-US" sz="4800" b="1" dirty="0">
+              <a:solidFill>
+                <a:srgbClr val="000066"/>
+              </a:solidFill>
+              <a:latin typeface="微軟正黑體" pitchFamily="34" charset="-120"/>
+              <a:ea typeface="微軟正黑體" pitchFamily="34" charset="-120"/>
+            </a:endParaRPr>
           </a:p>
         </p:txBody>
       </p:sp>
@@ -3478,15 +3485,17 @@
         <p:spPr>
           <a:xfrm>
             <a:off x="0" y="0"/>
-            <a:ext cx="9144000" cy="1524000"/>
+            <a:ext cx="9144000" cy="1143000"/>
           </a:xfrm>
         </p:spPr>
         <p:txBody>
-          <a:bodyPr/>
-          <a:lstStyle/>
-          <a:p>
-            <a:r>
-              <a:rPr lang="zh-CN" altLang="en-US" b="1" dirty="0" smtClean="0">
+          <a:bodyPr>
+            <a:normAutofit/>
+          </a:bodyPr>
+          <a:lstStyle/>
+          <a:p>
+            <a:r>
+              <a:rPr lang="zh-CN" altLang="en-US" sz="4000" b="1" dirty="0">
                 <a:solidFill>
                   <a:srgbClr val="000066"/>
                 </a:solidFill>
@@ -3495,7 +3504,7 @@
               </a:rPr>
               <a:t>活出愛</a:t>
             </a:r>
-            <a:endParaRPr lang="zh-TW" altLang="en-US" b="1" dirty="0">
+            <a:endParaRPr lang="zh-TW" altLang="en-US" sz="4000" b="1" dirty="0">
               <a:solidFill>
                 <a:srgbClr val="000066"/>
               </a:solidFill>
@@ -3517,8 +3526,8 @@
         </p:nvSpPr>
         <p:spPr>
           <a:xfrm>
-            <a:off x="0" y="1600200"/>
-            <a:ext cx="9144000" cy="5257800"/>
+            <a:off x="0" y="1200150"/>
+            <a:ext cx="9144000" cy="3943350"/>
           </a:xfrm>
         </p:spPr>
         <p:txBody>
@@ -3531,7 +3540,7 @@
               <a:buNone/>
             </a:pPr>
             <a:r>
-              <a:rPr lang="zh-TW" altLang="en-US" sz="5400" b="1" dirty="0">
+              <a:rPr lang="zh-TW" altLang="en-US" sz="4800" b="1" dirty="0">
                 <a:solidFill>
                   <a:srgbClr val="000066"/>
                 </a:solidFill>
@@ -3541,7 +3550,7 @@
               <a:t>耶穌的愛激勵</a:t>
             </a:r>
             <a:r>
-              <a:rPr lang="zh-TW" altLang="en-US" sz="5400" b="1" dirty="0" smtClean="0">
+              <a:rPr lang="zh-TW" altLang="en-US" sz="4800" b="1" dirty="0" smtClean="0">
                 <a:solidFill>
                   <a:srgbClr val="000066"/>
                 </a:solidFill>
@@ -3550,7 +3559,67 @@
               </a:rPr>
               <a:t>我</a:t>
             </a:r>
-            <a:endParaRPr lang="en-US" altLang="zh-TW" sz="5400" b="1" dirty="0" smtClean="0">
+            <a:r>
+              <a:rPr lang="en-US" altLang="zh-TW" sz="4800" b="1" dirty="0" smtClean="0">
+                <a:solidFill>
+                  <a:srgbClr val="000066"/>
+                </a:solidFill>
+                <a:latin typeface="微軟正黑體" pitchFamily="34" charset="-120"/>
+                <a:ea typeface="微軟正黑體" pitchFamily="34" charset="-120"/>
+              </a:rPr>
+              <a:t>  </a:t>
+            </a:r>
+            <a:r>
+              <a:rPr lang="zh-CN" altLang="en-US" sz="4800" b="1" dirty="0" smtClean="0">
+                <a:solidFill>
+                  <a:srgbClr val="000066"/>
+                </a:solidFill>
+                <a:latin typeface="微軟正黑體" pitchFamily="34" charset="-120"/>
+                <a:ea typeface="微軟正黑體" pitchFamily="34" charset="-120"/>
+              </a:rPr>
+              <a:t>敞</a:t>
+            </a:r>
+            <a:r>
+              <a:rPr lang="zh-CN" altLang="en-US" sz="4800" b="1" dirty="0">
+                <a:solidFill>
+                  <a:srgbClr val="000066"/>
+                </a:solidFill>
+                <a:latin typeface="微軟正黑體" pitchFamily="34" charset="-120"/>
+                <a:ea typeface="微軟正黑體" pitchFamily="34" charset="-120"/>
+              </a:rPr>
+              <a:t>開</a:t>
+            </a:r>
+            <a:r>
+              <a:rPr lang="zh-TW" altLang="en-US" sz="4800" b="1" dirty="0">
+                <a:solidFill>
+                  <a:srgbClr val="000066"/>
+                </a:solidFill>
+                <a:latin typeface="微軟正黑體" pitchFamily="34" charset="-120"/>
+                <a:ea typeface="微軟正黑體" pitchFamily="34" charset="-120"/>
+              </a:rPr>
+              <a:t>我</a:t>
+            </a:r>
+            <a:r>
+              <a:rPr lang="zh-TW" altLang="en-US" sz="4800" b="1" dirty="0">
+                <a:solidFill>
+                  <a:srgbClr val="000066"/>
+                </a:solidFill>
+                <a:latin typeface="微軟正黑體" pitchFamily="34" charset="-120"/>
+                <a:ea typeface="微軟正黑體" pitchFamily="34" charset="-120"/>
+              </a:rPr>
+              <a:t>的</a:t>
+            </a:r>
+            <a:r>
+              <a:rPr lang="zh-TW" altLang="en-US" sz="4800" b="1" dirty="0">
+                <a:solidFill>
+                  <a:srgbClr val="000066"/>
+                </a:solidFill>
+                <a:latin typeface="微軟正黑體" pitchFamily="34" charset="-120"/>
+                <a:ea typeface="微軟正黑體" pitchFamily="34" charset="-120"/>
+              </a:rPr>
+              <a:t>生命</a:t>
+            </a:r>
+            <a:endParaRPr lang="en-US" altLang="zh-TW" sz="4800" b="1" dirty="0">
               <a:solidFill>
                 <a:srgbClr val="000066"/>
               </a:solidFill>
@@ -3563,46 +3632,36 @@
               <a:buNone/>
             </a:pPr>
             <a:r>
-              <a:rPr lang="zh-CN" altLang="en-US" sz="5400" b="1" dirty="0" smtClean="0">
+              <a:rPr lang="zh-TW" altLang="en-US" sz="4800" b="1" dirty="0">
                 <a:solidFill>
                   <a:srgbClr val="000066"/>
                 </a:solidFill>
                 <a:latin typeface="微軟正黑體" pitchFamily="34" charset="-120"/>
                 <a:ea typeface="微軟正黑體" pitchFamily="34" charset="-120"/>
               </a:rPr>
-              <a:t>敞開</a:t>
-            </a:r>
-            <a:r>
-              <a:rPr lang="zh-TW" altLang="en-US" sz="5400" b="1" dirty="0" smtClean="0">
+              <a:t>讓</a:t>
+            </a:r>
+            <a:r>
+              <a:rPr lang="zh-TW" altLang="en-US" sz="4800" b="1" dirty="0">
                 <a:solidFill>
                   <a:srgbClr val="000066"/>
                 </a:solidFill>
                 <a:latin typeface="微軟正黑體" pitchFamily="34" charset="-120"/>
                 <a:ea typeface="微軟正黑體" pitchFamily="34" charset="-120"/>
               </a:rPr>
-              <a:t>我</a:t>
-            </a:r>
-            <a:r>
-              <a:rPr lang="zh-TW" altLang="en-US" sz="5400" b="1" dirty="0">
+              <a:t>自己成為別人祝</a:t>
+            </a:r>
+            <a:r>
+              <a:rPr lang="zh-TW" altLang="en-US" sz="4800" b="1" dirty="0" smtClean="0">
                 <a:solidFill>
                   <a:srgbClr val="000066"/>
                 </a:solidFill>
                 <a:latin typeface="微軟正黑體" pitchFamily="34" charset="-120"/>
                 <a:ea typeface="微軟正黑體" pitchFamily="34" charset="-120"/>
               </a:rPr>
-              <a:t>的</a:t>
-            </a:r>
-            <a:r>
-              <a:rPr lang="zh-TW" altLang="en-US" sz="5400" b="1" dirty="0" smtClean="0">
-                <a:solidFill>
-                  <a:srgbClr val="000066"/>
-                </a:solidFill>
-                <a:latin typeface="微軟正黑體" pitchFamily="34" charset="-120"/>
-                <a:ea typeface="微軟正黑體" pitchFamily="34" charset="-120"/>
-              </a:rPr>
-              <a:t>生命</a:t>
-            </a:r>
-            <a:endParaRPr lang="en-US" altLang="zh-TW" sz="5400" b="1" dirty="0">
+              <a:t>福</a:t>
+            </a:r>
+            <a:endParaRPr lang="en-US" altLang="zh-TW" sz="4800" b="1" dirty="0" smtClean="0">
               <a:solidFill>
                 <a:srgbClr val="000066"/>
               </a:solidFill>
@@ -3615,26 +3674,36 @@
               <a:buNone/>
             </a:pPr>
             <a:r>
-              <a:rPr lang="zh-TW" altLang="en-US" sz="5400" b="1" dirty="0" smtClean="0">
+              <a:rPr lang="zh-TW" altLang="en-US" sz="4800" b="1" dirty="0">
                 <a:solidFill>
                   <a:srgbClr val="000066"/>
                 </a:solidFill>
                 <a:latin typeface="微軟正黑體" pitchFamily="34" charset="-120"/>
                 <a:ea typeface="微軟正黑體" pitchFamily="34" charset="-120"/>
               </a:rPr>
-              <a:t>讓</a:t>
-            </a:r>
-            <a:r>
-              <a:rPr lang="zh-TW" altLang="en-US" sz="5400" b="1" dirty="0">
+              <a:t>耶穌的愛點燃我</a:t>
+            </a:r>
+            <a:r>
+              <a:rPr lang="en-US" altLang="zh-TW" sz="4800" b="1" dirty="0">
                 <a:solidFill>
                   <a:srgbClr val="000066"/>
                 </a:solidFill>
                 <a:latin typeface="微軟正黑體" pitchFamily="34" charset="-120"/>
                 <a:ea typeface="微軟正黑體" pitchFamily="34" charset="-120"/>
               </a:rPr>
-              <a:t>自己成為別人祝福</a:t>
-            </a:r>
-            <a:endParaRPr lang="zh-TW" altLang="en-US" sz="5400" b="1" dirty="0" smtClean="0">
+              <a:t>  </a:t>
+            </a:r>
+            <a:r>
+              <a:rPr lang="zh-TW" altLang="en-US" sz="4800" b="1" dirty="0">
+                <a:solidFill>
+                  <a:srgbClr val="000066"/>
+                </a:solidFill>
+                <a:latin typeface="微軟正黑體" pitchFamily="34" charset="-120"/>
+                <a:ea typeface="微軟正黑體" pitchFamily="34" charset="-120"/>
+              </a:rPr>
+              <a:t>心中熊熊愛火</a:t>
+            </a:r>
+            <a:endParaRPr lang="en-US" altLang="zh-TW" sz="4800" b="1" dirty="0">
               <a:solidFill>
                 <a:srgbClr val="000066"/>
               </a:solidFill>
@@ -3642,193 +3711,31 @@
               <a:ea typeface="微軟正黑體" pitchFamily="34" charset="-120"/>
             </a:endParaRPr>
           </a:p>
-        </p:txBody>
-      </p:sp>
-    </p:spTree>
-  </p:cSld>
-  <p:clrMapOvr>
-    <a:masterClrMapping/>
-  </p:clrMapOvr>
-</p:sld>
-</file>
-
-<file path=ppt/slides/slide4.xml><?xml version="1.0" encoding="utf-8"?>
-<p:sld xmlns:a="http://schemas.openxmlformats.org/drawingml/2006/main" xmlns:r="http://schemas.openxmlformats.org/officeDocument/2006/relationships" xmlns:p="http://schemas.openxmlformats.org/presentationml/2006/main">
-  <p:cSld>
-    <p:spTree>
-      <p:nvGrpSpPr>
-        <p:cNvPr id="1" name=""/>
-        <p:cNvGrpSpPr/>
-        <p:nvPr/>
-      </p:nvGrpSpPr>
-      <p:grpSpPr>
-        <a:xfrm>
-          <a:off x="0" y="0"/>
-          <a:ext cx="0" cy="0"/>
-          <a:chOff x="0" y="0"/>
-          <a:chExt cx="0" cy="0"/>
-        </a:xfrm>
-      </p:grpSpPr>
-      <p:sp>
-        <p:nvSpPr>
-          <p:cNvPr id="4" name="標題 3"/>
-          <p:cNvSpPr>
-            <a:spLocks noGrp="1"/>
-          </p:cNvSpPr>
-          <p:nvPr>
-            <p:ph type="title"/>
-          </p:nvPr>
-        </p:nvSpPr>
-        <p:spPr>
-          <a:xfrm>
-            <a:off x="0" y="0"/>
-            <a:ext cx="9144000" cy="1524000"/>
-          </a:xfrm>
-        </p:spPr>
-        <p:txBody>
-          <a:bodyPr/>
-          <a:lstStyle/>
-          <a:p>
-            <a:r>
-              <a:rPr lang="zh-CN" altLang="en-US" b="1" dirty="0" smtClean="0">
+          <a:p>
+            <a:pPr algn="ctr">
+              <a:buNone/>
+            </a:pPr>
+            <a:r>
+              <a:rPr lang="zh-TW" altLang="en-US" sz="4800" b="1" dirty="0">
                 <a:solidFill>
                   <a:srgbClr val="000066"/>
                 </a:solidFill>
                 <a:latin typeface="微軟正黑體" pitchFamily="34" charset="-120"/>
                 <a:ea typeface="微軟正黑體" pitchFamily="34" charset="-120"/>
               </a:rPr>
-              <a:t>活出愛</a:t>
-            </a:r>
-            <a:endParaRPr lang="zh-TW" altLang="en-US" b="1" dirty="0">
-              <a:solidFill>
-                <a:srgbClr val="000066"/>
-              </a:solidFill>
-              <a:latin typeface="微軟正黑體" pitchFamily="34" charset="-120"/>
-              <a:ea typeface="微軟正黑體" pitchFamily="34" charset="-120"/>
-            </a:endParaRPr>
-          </a:p>
-        </p:txBody>
-      </p:sp>
-      <p:sp>
-        <p:nvSpPr>
-          <p:cNvPr id="5" name="內容版面配置區 4"/>
-          <p:cNvSpPr>
-            <a:spLocks noGrp="1"/>
-          </p:cNvSpPr>
-          <p:nvPr>
-            <p:ph idx="1"/>
-          </p:nvPr>
-        </p:nvSpPr>
-        <p:spPr>
-          <a:xfrm>
-            <a:off x="0" y="1600200"/>
-            <a:ext cx="9144000" cy="5257800"/>
-          </a:xfrm>
-        </p:spPr>
-        <p:txBody>
-          <a:bodyPr>
-            <a:noAutofit/>
-          </a:bodyPr>
-          <a:lstStyle/>
-          <a:p>
-            <a:pPr algn="ctr">
-              <a:buNone/>
-            </a:pPr>
-            <a:r>
-              <a:rPr lang="zh-TW" altLang="en-US" sz="5400" b="1" dirty="0">
+              <a:t>我們一起 向世界 活出</a:t>
+            </a:r>
+            <a:r>
+              <a:rPr lang="zh-TW" altLang="en-US" sz="4800" b="1" dirty="0" smtClean="0">
                 <a:solidFill>
                   <a:srgbClr val="000066"/>
                 </a:solidFill>
                 <a:latin typeface="微軟正黑體" pitchFamily="34" charset="-120"/>
                 <a:ea typeface="微軟正黑體" pitchFamily="34" charset="-120"/>
               </a:rPr>
-              <a:t>耶穌的愛點燃</a:t>
-            </a:r>
-            <a:r>
-              <a:rPr lang="zh-TW" altLang="en-US" sz="5400" b="1" dirty="0" smtClean="0">
-                <a:solidFill>
-                  <a:srgbClr val="000066"/>
-                </a:solidFill>
-                <a:latin typeface="微軟正黑體" pitchFamily="34" charset="-120"/>
-                <a:ea typeface="微軟正黑體" pitchFamily="34" charset="-120"/>
-              </a:rPr>
-              <a:t>我</a:t>
-            </a:r>
-            <a:endParaRPr lang="en-US" altLang="zh-TW" sz="5400" b="1" dirty="0" smtClean="0">
-              <a:solidFill>
-                <a:srgbClr val="000066"/>
-              </a:solidFill>
-              <a:latin typeface="微軟正黑體" pitchFamily="34" charset="-120"/>
-              <a:ea typeface="微軟正黑體" pitchFamily="34" charset="-120"/>
-            </a:endParaRPr>
-          </a:p>
-          <a:p>
-            <a:pPr algn="ctr">
-              <a:buNone/>
-            </a:pPr>
-            <a:r>
-              <a:rPr lang="zh-TW" altLang="en-US" sz="5400" b="1" dirty="0" smtClean="0">
-                <a:solidFill>
-                  <a:srgbClr val="000066"/>
-                </a:solidFill>
-                <a:latin typeface="微軟正黑體" pitchFamily="34" charset="-120"/>
-                <a:ea typeface="微軟正黑體" pitchFamily="34" charset="-120"/>
-              </a:rPr>
-              <a:t>心中</a:t>
-            </a:r>
-            <a:r>
-              <a:rPr lang="zh-TW" altLang="en-US" sz="5400" b="1" dirty="0">
-                <a:solidFill>
-                  <a:srgbClr val="000066"/>
-                </a:solidFill>
-                <a:latin typeface="微軟正黑體" pitchFamily="34" charset="-120"/>
-                <a:ea typeface="微軟正黑體" pitchFamily="34" charset="-120"/>
-              </a:rPr>
-              <a:t>熊</a:t>
-            </a:r>
-            <a:r>
-              <a:rPr lang="zh-TW" altLang="en-US" sz="5400" b="1" dirty="0" smtClean="0">
-                <a:solidFill>
-                  <a:srgbClr val="000066"/>
-                </a:solidFill>
-                <a:latin typeface="微軟正黑體" pitchFamily="34" charset="-120"/>
-                <a:ea typeface="微軟正黑體" pitchFamily="34" charset="-120"/>
-              </a:rPr>
-              <a:t>熊愛火</a:t>
-            </a:r>
-            <a:endParaRPr lang="en-US" altLang="zh-TW" sz="5400" b="1" dirty="0">
-              <a:solidFill>
-                <a:srgbClr val="000066"/>
-              </a:solidFill>
-              <a:latin typeface="微軟正黑體" pitchFamily="34" charset="-120"/>
-              <a:ea typeface="微軟正黑體" pitchFamily="34" charset="-120"/>
-            </a:endParaRPr>
-          </a:p>
-          <a:p>
-            <a:pPr algn="ctr">
-              <a:buNone/>
-            </a:pPr>
-            <a:r>
-              <a:rPr lang="zh-TW" altLang="en-US" sz="5400" b="1" dirty="0" smtClean="0">
-                <a:solidFill>
-                  <a:srgbClr val="000066"/>
-                </a:solidFill>
-                <a:latin typeface="微軟正黑體" pitchFamily="34" charset="-120"/>
-                <a:ea typeface="微軟正黑體" pitchFamily="34" charset="-120"/>
-              </a:rPr>
-              <a:t>我們</a:t>
-            </a:r>
-            <a:r>
-              <a:rPr lang="zh-TW" altLang="en-US" sz="5400" b="1" dirty="0">
-                <a:solidFill>
-                  <a:srgbClr val="000066"/>
-                </a:solidFill>
-                <a:latin typeface="微軟正黑體" pitchFamily="34" charset="-120"/>
-                <a:ea typeface="微軟正黑體" pitchFamily="34" charset="-120"/>
-              </a:rPr>
-              <a:t>一起 向世界 活出愛</a:t>
-            </a:r>
-            <a:endParaRPr lang="zh-TW" altLang="en-US" sz="5400" b="1" dirty="0" smtClean="0">
+              <a:t>愛</a:t>
+            </a:r>
+            <a:endParaRPr lang="zh-TW" altLang="en-US" sz="4800" b="1" dirty="0">
               <a:solidFill>
                 <a:srgbClr val="000066"/>
               </a:solidFill>

--- a/活出愛.pptx
+++ b/活出愛.pptx
@@ -5,9 +5,13 @@
     <p:sldMasterId id="2147483672" r:id="rId1"/>
   </p:sldMasterIdLst>
   <p:sldIdLst>
-    <p:sldId id="256" r:id="rId2"/>
-    <p:sldId id="257" r:id="rId3"/>
-    <p:sldId id="258" r:id="rId4"/>
+    <p:sldId id="259" r:id="rId2"/>
+    <p:sldId id="260" r:id="rId3"/>
+    <p:sldId id="261" r:id="rId4"/>
+    <p:sldId id="262" r:id="rId5"/>
+    <p:sldId id="263" r:id="rId6"/>
+    <p:sldId id="264" r:id="rId7"/>
+    <p:sldId id="265" r:id="rId8"/>
   </p:sldIdLst>
   <p:sldSz cx="9144000" cy="5143500" type="screen16x9"/>
   <p:notesSz cx="6858000" cy="9144000"/>
@@ -106,6 +110,22 @@
       </a:defRPr>
     </a:lvl9pPr>
   </p:defaultTextStyle>
+  <p:extLst>
+    <p:ext uri="{EFAFB233-063F-42B5-8137-9DF3F51BA10A}">
+      <p15:sldGuideLst xmlns:p15="http://schemas.microsoft.com/office/powerpoint/2012/main">
+        <p15:guide id="1" orient="horz" pos="1620">
+          <p15:clr>
+            <a:srgbClr val="A4A3A4"/>
+          </p15:clr>
+        </p15:guide>
+        <p15:guide id="2" pos="2880">
+          <p15:clr>
+            <a:srgbClr val="A4A3A4"/>
+          </p15:clr>
+        </p15:guide>
+      </p15:sldGuideLst>
+    </p:ext>
+  </p:extLst>
 </p:presentation>
 </file>
 
@@ -291,7 +311,7 @@
             <a:fld id="{00B09C42-95F1-4C8F-910C-F549F8449038}" type="datetimeFigureOut">
               <a:rPr lang="zh-TW" altLang="en-US" smtClean="0"/>
               <a:pPr/>
-              <a:t>2019/7/27</a:t>
+              <a:t>2022/8/4</a:t>
             </a:fld>
             <a:endParaRPr lang="zh-TW" altLang="en-US"/>
           </a:p>
@@ -458,7 +478,7 @@
             <a:fld id="{00B09C42-95F1-4C8F-910C-F549F8449038}" type="datetimeFigureOut">
               <a:rPr lang="zh-TW" altLang="en-US" smtClean="0"/>
               <a:pPr/>
-              <a:t>2019/7/27</a:t>
+              <a:t>2022/8/4</a:t>
             </a:fld>
             <a:endParaRPr lang="zh-TW" altLang="en-US"/>
           </a:p>
@@ -635,7 +655,7 @@
             <a:fld id="{00B09C42-95F1-4C8F-910C-F549F8449038}" type="datetimeFigureOut">
               <a:rPr lang="zh-TW" altLang="en-US" smtClean="0"/>
               <a:pPr/>
-              <a:t>2019/7/27</a:t>
+              <a:t>2022/8/4</a:t>
             </a:fld>
             <a:endParaRPr lang="zh-TW" altLang="en-US"/>
           </a:p>
@@ -802,7 +822,7 @@
             <a:fld id="{00B09C42-95F1-4C8F-910C-F549F8449038}" type="datetimeFigureOut">
               <a:rPr lang="zh-TW" altLang="en-US" smtClean="0"/>
               <a:pPr/>
-              <a:t>2019/7/27</a:t>
+              <a:t>2022/8/4</a:t>
             </a:fld>
             <a:endParaRPr lang="zh-TW" altLang="en-US"/>
           </a:p>
@@ -1045,7 +1065,7 @@
             <a:fld id="{00B09C42-95F1-4C8F-910C-F549F8449038}" type="datetimeFigureOut">
               <a:rPr lang="zh-TW" altLang="en-US" smtClean="0"/>
               <a:pPr/>
-              <a:t>2019/7/27</a:t>
+              <a:t>2022/8/4</a:t>
             </a:fld>
             <a:endParaRPr lang="zh-TW" altLang="en-US"/>
           </a:p>
@@ -1330,7 +1350,7 @@
             <a:fld id="{00B09C42-95F1-4C8F-910C-F549F8449038}" type="datetimeFigureOut">
               <a:rPr lang="zh-TW" altLang="en-US" smtClean="0"/>
               <a:pPr/>
-              <a:t>2019/7/27</a:t>
+              <a:t>2022/8/4</a:t>
             </a:fld>
             <a:endParaRPr lang="zh-TW" altLang="en-US"/>
           </a:p>
@@ -1749,7 +1769,7 @@
             <a:fld id="{00B09C42-95F1-4C8F-910C-F549F8449038}" type="datetimeFigureOut">
               <a:rPr lang="zh-TW" altLang="en-US" smtClean="0"/>
               <a:pPr/>
-              <a:t>2019/7/27</a:t>
+              <a:t>2022/8/4</a:t>
             </a:fld>
             <a:endParaRPr lang="zh-TW" altLang="en-US"/>
           </a:p>
@@ -1864,7 +1884,7 @@
             <a:fld id="{00B09C42-95F1-4C8F-910C-F549F8449038}" type="datetimeFigureOut">
               <a:rPr lang="zh-TW" altLang="en-US" smtClean="0"/>
               <a:pPr/>
-              <a:t>2019/7/27</a:t>
+              <a:t>2022/8/4</a:t>
             </a:fld>
             <a:endParaRPr lang="zh-TW" altLang="en-US"/>
           </a:p>
@@ -1956,7 +1976,7 @@
             <a:fld id="{00B09C42-95F1-4C8F-910C-F549F8449038}" type="datetimeFigureOut">
               <a:rPr lang="zh-TW" altLang="en-US" smtClean="0"/>
               <a:pPr/>
-              <a:t>2019/7/27</a:t>
+              <a:t>2022/8/4</a:t>
             </a:fld>
             <a:endParaRPr lang="zh-TW" altLang="en-US"/>
           </a:p>
@@ -2230,7 +2250,7 @@
             <a:fld id="{00B09C42-95F1-4C8F-910C-F549F8449038}" type="datetimeFigureOut">
               <a:rPr lang="zh-TW" altLang="en-US" smtClean="0"/>
               <a:pPr/>
-              <a:t>2019/7/27</a:t>
+              <a:t>2022/8/4</a:t>
             </a:fld>
             <a:endParaRPr lang="zh-TW" altLang="en-US"/>
           </a:p>
@@ -2484,7 +2504,7 @@
             <a:fld id="{00B09C42-95F1-4C8F-910C-F549F8449038}" type="datetimeFigureOut">
               <a:rPr lang="zh-TW" altLang="en-US" smtClean="0"/>
               <a:pPr/>
-              <a:t>2019/7/27</a:t>
+              <a:t>2022/8/4</a:t>
             </a:fld>
             <a:endParaRPr lang="zh-TW" altLang="en-US"/>
           </a:p>
@@ -2699,7 +2719,7 @@
             <a:fld id="{00B09C42-95F1-4C8F-910C-F549F8449038}" type="datetimeFigureOut">
               <a:rPr lang="zh-TW" altLang="en-US" smtClean="0"/>
               <a:pPr/>
-              <a:t>2019/7/27</a:t>
+              <a:t>2022/8/4</a:t>
             </a:fld>
             <a:endParaRPr lang="zh-TW" altLang="en-US"/>
           </a:p>
@@ -3082,216 +3102,73 @@
         </p:nvSpPr>
         <p:spPr>
           <a:xfrm>
-            <a:off x="0" y="0"/>
-            <a:ext cx="9144000" cy="1143000"/>
+            <a:off x="0" y="1995686"/>
+            <a:ext cx="9144000" cy="857250"/>
           </a:xfrm>
         </p:spPr>
         <p:txBody>
           <a:bodyPr>
-            <a:normAutofit/>
+            <a:noAutofit/>
           </a:bodyPr>
           <a:lstStyle/>
           <a:p>
             <a:r>
-              <a:rPr lang="zh-CN" altLang="en-US" sz="4000" b="1" dirty="0" smtClean="0">
-                <a:solidFill>
-                  <a:srgbClr val="000066"/>
-                </a:solidFill>
+              <a:rPr lang="zh-CN" altLang="en-US" sz="5400" b="1" i="1" dirty="0" smtClean="0">
+                <a:solidFill>
+                  <a:srgbClr val="000066"/>
+                </a:solidFill>
+                <a:effectLst>
+                  <a:outerShdw blurRad="38100" dist="38100" dir="2700000" algn="tl">
+                    <a:srgbClr val="000000">
+                      <a:alpha val="43137"/>
+                    </a:srgbClr>
+                  </a:outerShdw>
+                </a:effectLst>
                 <a:latin typeface="微軟正黑體" pitchFamily="34" charset="-120"/>
                 <a:ea typeface="微軟正黑體" pitchFamily="34" charset="-120"/>
               </a:rPr>
-              <a:t>活出愛</a:t>
-            </a:r>
-            <a:endParaRPr lang="zh-TW" altLang="en-US" sz="4000" b="1" dirty="0">
+              <a:t>活</a:t>
+            </a:r>
+            <a:r>
+              <a:rPr lang="zh-CN" altLang="en-US" sz="5400" b="1" i="1" dirty="0">
+                <a:solidFill>
+                  <a:srgbClr val="000066"/>
+                </a:solidFill>
+                <a:effectLst>
+                  <a:outerShdw blurRad="38100" dist="38100" dir="2700000" algn="tl">
+                    <a:srgbClr val="000000">
+                      <a:alpha val="43137"/>
+                    </a:srgbClr>
+                  </a:outerShdw>
+                </a:effectLst>
+                <a:latin typeface="微軟正黑體" pitchFamily="34" charset="-120"/>
+                <a:ea typeface="微軟正黑體" pitchFamily="34" charset="-120"/>
+              </a:rPr>
+              <a:t>出愛</a:t>
+            </a:r>
+            <a:endParaRPr lang="zh-TW" altLang="en-US" sz="5400" b="1" i="1" dirty="0">
               <a:solidFill>
                 <a:srgbClr val="000066"/>
               </a:solidFill>
+              <a:effectLst>
+                <a:outerShdw blurRad="38100" dist="38100" dir="2700000" algn="tl">
+                  <a:srgbClr val="000000">
+                    <a:alpha val="43137"/>
+                  </a:srgbClr>
+                </a:outerShdw>
+              </a:effectLst>
               <a:latin typeface="微軟正黑體" pitchFamily="34" charset="-120"/>
               <a:ea typeface="微軟正黑體" pitchFamily="34" charset="-120"/>
             </a:endParaRPr>
           </a:p>
         </p:txBody>
       </p:sp>
-      <p:sp>
-        <p:nvSpPr>
-          <p:cNvPr id="5" name="內容版面配置區 4"/>
-          <p:cNvSpPr>
-            <a:spLocks noGrp="1"/>
-          </p:cNvSpPr>
-          <p:nvPr>
-            <p:ph idx="1"/>
-          </p:nvPr>
-        </p:nvSpPr>
-        <p:spPr>
-          <a:xfrm>
-            <a:off x="0" y="1200150"/>
-            <a:ext cx="9144000" cy="3943350"/>
-          </a:xfrm>
-        </p:spPr>
-        <p:txBody>
-          <a:bodyPr>
-            <a:noAutofit/>
-          </a:bodyPr>
-          <a:lstStyle/>
-          <a:p>
-            <a:pPr algn="ctr">
-              <a:buNone/>
-            </a:pPr>
-            <a:r>
-              <a:rPr lang="zh-TW" altLang="en-US" sz="4800" b="1" dirty="0">
-                <a:solidFill>
-                  <a:srgbClr val="000066"/>
-                </a:solidFill>
-                <a:latin typeface="微軟正黑體" pitchFamily="34" charset="-120"/>
-                <a:ea typeface="微軟正黑體" pitchFamily="34" charset="-120"/>
-              </a:rPr>
-              <a:t>有一份</a:t>
-            </a:r>
-            <a:r>
-              <a:rPr lang="zh-TW" altLang="en-US" sz="4800" b="1" dirty="0" smtClean="0">
-                <a:solidFill>
-                  <a:srgbClr val="000066"/>
-                </a:solidFill>
-                <a:latin typeface="微軟正黑體" pitchFamily="34" charset="-120"/>
-                <a:ea typeface="微軟正黑體" pitchFamily="34" charset="-120"/>
-              </a:rPr>
-              <a:t>愛從</a:t>
-            </a:r>
-            <a:r>
-              <a:rPr lang="zh-TW" altLang="en-US" sz="4800" b="1" dirty="0">
-                <a:solidFill>
-                  <a:srgbClr val="000066"/>
-                </a:solidFill>
-                <a:latin typeface="微軟正黑體" pitchFamily="34" charset="-120"/>
-                <a:ea typeface="微軟正黑體" pitchFamily="34" charset="-120"/>
-              </a:rPr>
-              <a:t>天而</a:t>
-            </a:r>
-            <a:r>
-              <a:rPr lang="zh-TW" altLang="en-US" sz="4800" b="1" dirty="0" smtClean="0">
-                <a:solidFill>
-                  <a:srgbClr val="000066"/>
-                </a:solidFill>
-                <a:latin typeface="微軟正黑體" pitchFamily="34" charset="-120"/>
-                <a:ea typeface="微軟正黑體" pitchFamily="34" charset="-120"/>
-              </a:rPr>
-              <a:t>來</a:t>
-            </a:r>
-            <a:r>
-              <a:rPr lang="en-US" altLang="zh-TW" sz="4800" b="1" dirty="0">
-                <a:solidFill>
-                  <a:srgbClr val="000066"/>
-                </a:solidFill>
-                <a:latin typeface="微軟正黑體" pitchFamily="34" charset="-120"/>
-                <a:ea typeface="微軟正黑體" pitchFamily="34" charset="-120"/>
-              </a:rPr>
-              <a:t> </a:t>
-            </a:r>
-            <a:endParaRPr lang="en-US" altLang="zh-TW" sz="4800" b="1" dirty="0" smtClean="0">
-              <a:solidFill>
-                <a:srgbClr val="000066"/>
-              </a:solidFill>
-              <a:latin typeface="微軟正黑體" pitchFamily="34" charset="-120"/>
-              <a:ea typeface="微軟正黑體" pitchFamily="34" charset="-120"/>
-            </a:endParaRPr>
-          </a:p>
-          <a:p>
-            <a:pPr algn="ctr">
-              <a:buNone/>
-            </a:pPr>
-            <a:r>
-              <a:rPr lang="zh-TW" altLang="en-US" sz="4800" b="1" dirty="0" smtClean="0">
-                <a:solidFill>
-                  <a:srgbClr val="000066"/>
-                </a:solidFill>
-                <a:latin typeface="微軟正黑體" pitchFamily="34" charset="-120"/>
-                <a:ea typeface="微軟正黑體" pitchFamily="34" charset="-120"/>
-              </a:rPr>
-              <a:t>比山高 比海深</a:t>
-            </a:r>
-            <a:endParaRPr lang="en-US" altLang="zh-TW" sz="4800" b="1" dirty="0" smtClean="0">
-              <a:solidFill>
-                <a:srgbClr val="000066"/>
-              </a:solidFill>
-              <a:latin typeface="微軟正黑體" pitchFamily="34" charset="-120"/>
-              <a:ea typeface="微軟正黑體" pitchFamily="34" charset="-120"/>
-            </a:endParaRPr>
-          </a:p>
-          <a:p>
-            <a:pPr algn="ctr">
-              <a:buNone/>
-            </a:pPr>
-            <a:r>
-              <a:rPr lang="zh-TW" altLang="en-US" sz="4800" b="1" dirty="0" smtClean="0">
-                <a:solidFill>
-                  <a:srgbClr val="000066"/>
-                </a:solidFill>
-                <a:latin typeface="微軟正黑體" pitchFamily="34" charset="-120"/>
-                <a:ea typeface="微軟正黑體" pitchFamily="34" charset="-120"/>
-              </a:rPr>
-              <a:t>測</a:t>
-            </a:r>
-            <a:r>
-              <a:rPr lang="zh-TW" altLang="en-US" sz="4800" b="1" dirty="0">
-                <a:solidFill>
-                  <a:srgbClr val="000066"/>
-                </a:solidFill>
-                <a:latin typeface="微軟正黑體" pitchFamily="34" charset="-120"/>
-                <a:ea typeface="微軟正黑體" pitchFamily="34" charset="-120"/>
-              </a:rPr>
-              <a:t>不</a:t>
-            </a:r>
-            <a:r>
-              <a:rPr lang="zh-TW" altLang="en-US" sz="4800" b="1" dirty="0" smtClean="0">
-                <a:solidFill>
-                  <a:srgbClr val="000066"/>
-                </a:solidFill>
-                <a:latin typeface="微軟正黑體" pitchFamily="34" charset="-120"/>
-                <a:ea typeface="微軟正黑體" pitchFamily="34" charset="-120"/>
-              </a:rPr>
-              <a:t>透  摸</a:t>
-            </a:r>
-            <a:r>
-              <a:rPr lang="zh-TW" altLang="en-US" sz="4800" b="1" dirty="0">
-                <a:solidFill>
-                  <a:srgbClr val="000066"/>
-                </a:solidFill>
-                <a:latin typeface="微軟正黑體" pitchFamily="34" charset="-120"/>
-                <a:ea typeface="微軟正黑體" pitchFamily="34" charset="-120"/>
-              </a:rPr>
-              <a:t>不著 卻</a:t>
-            </a:r>
-            <a:r>
-              <a:rPr lang="zh-TW" altLang="en-US" sz="4800" b="1" dirty="0" smtClean="0">
-                <a:solidFill>
-                  <a:srgbClr val="000066"/>
-                </a:solidFill>
-                <a:latin typeface="微軟正黑體" pitchFamily="34" charset="-120"/>
-                <a:ea typeface="微軟正黑體" pitchFamily="34" charset="-120"/>
-              </a:rPr>
-              <a:t>看得</a:t>
-            </a:r>
-            <a:r>
-              <a:rPr lang="zh-TW" altLang="en-US" sz="4800" b="1" dirty="0" smtClean="0">
-                <a:solidFill>
-                  <a:srgbClr val="000066"/>
-                </a:solidFill>
-                <a:latin typeface="微軟正黑體" pitchFamily="34" charset="-120"/>
-                <a:ea typeface="微軟正黑體" pitchFamily="34" charset="-120"/>
-              </a:rPr>
-              <a:t>見</a:t>
-            </a:r>
-            <a:endParaRPr lang="zh-TW" altLang="en-US" sz="4800" b="1" dirty="0" smtClean="0">
-              <a:solidFill>
-                <a:srgbClr val="000066"/>
-              </a:solidFill>
-              <a:latin typeface="微軟正黑體" pitchFamily="34" charset="-120"/>
-              <a:ea typeface="微軟正黑體" pitchFamily="34" charset="-120"/>
-            </a:endParaRPr>
-          </a:p>
-        </p:txBody>
-      </p:sp>
     </p:spTree>
+    <p:extLst>
+      <p:ext uri="{BB962C8B-B14F-4D97-AF65-F5344CB8AC3E}">
+        <p14:creationId xmlns:p14="http://schemas.microsoft.com/office/powerpoint/2010/main" val="3168419293"/>
+      </p:ext>
+    </p:extLst>
   </p:cSld>
   <p:clrMapOvr>
     <a:masterClrMapping/>
@@ -3318,37 +3195,105 @@
       </p:grpSpPr>
       <p:sp>
         <p:nvSpPr>
-          <p:cNvPr id="4" name="標題 3"/>
-          <p:cNvSpPr>
-            <a:spLocks noGrp="1"/>
-          </p:cNvSpPr>
-          <p:nvPr>
-            <p:ph type="title"/>
+          <p:cNvPr id="5" name="內容版面配置區 4"/>
+          <p:cNvSpPr>
+            <a:spLocks noGrp="1"/>
+          </p:cNvSpPr>
+          <p:nvPr>
+            <p:ph idx="1"/>
           </p:nvPr>
         </p:nvSpPr>
         <p:spPr>
           <a:xfrm>
-            <a:off x="0" y="0"/>
-            <a:ext cx="9144000" cy="1143000"/>
+            <a:off x="0" y="1563638"/>
+            <a:ext cx="9144000" cy="1803647"/>
           </a:xfrm>
         </p:spPr>
         <p:txBody>
-          <a:bodyPr>
+          <a:bodyPr anchor="ctr">
             <a:normAutofit/>
           </a:bodyPr>
           <a:lstStyle/>
           <a:p>
-            <a:r>
-              <a:rPr lang="zh-CN" altLang="en-US" sz="4000" b="1" dirty="0">
+            <a:pPr algn="ctr">
+              <a:buNone/>
+            </a:pPr>
+            <a:r>
+              <a:rPr lang="zh-TW" altLang="en-US" sz="4800" b="1" dirty="0">
                 <a:solidFill>
                   <a:srgbClr val="000066"/>
                 </a:solidFill>
                 <a:latin typeface="微軟正黑體" pitchFamily="34" charset="-120"/>
                 <a:ea typeface="微軟正黑體" pitchFamily="34" charset="-120"/>
               </a:rPr>
-              <a:t>活出愛</a:t>
-            </a:r>
-            <a:endParaRPr lang="zh-TW" altLang="en-US" sz="4000" b="1" dirty="0">
+              <a:t>有一份</a:t>
+            </a:r>
+            <a:r>
+              <a:rPr lang="zh-TW" altLang="en-US" sz="4800" b="1" dirty="0" smtClean="0">
+                <a:solidFill>
+                  <a:srgbClr val="000066"/>
+                </a:solidFill>
+                <a:latin typeface="微軟正黑體" pitchFamily="34" charset="-120"/>
+                <a:ea typeface="微軟正黑體" pitchFamily="34" charset="-120"/>
+              </a:rPr>
+              <a:t>愛  從</a:t>
+            </a:r>
+            <a:r>
+              <a:rPr lang="zh-TW" altLang="en-US" sz="4800" b="1" dirty="0">
+                <a:solidFill>
+                  <a:srgbClr val="000066"/>
+                </a:solidFill>
+                <a:latin typeface="微軟正黑體" pitchFamily="34" charset="-120"/>
+                <a:ea typeface="微軟正黑體" pitchFamily="34" charset="-120"/>
+              </a:rPr>
+              <a:t>天而來</a:t>
+            </a:r>
+            <a:r>
+              <a:rPr lang="en-US" altLang="zh-TW" sz="4800" b="1" dirty="0">
+                <a:solidFill>
+                  <a:srgbClr val="000066"/>
+                </a:solidFill>
+                <a:latin typeface="微軟正黑體" pitchFamily="34" charset="-120"/>
+                <a:ea typeface="微軟正黑體" pitchFamily="34" charset="-120"/>
+              </a:rPr>
+              <a:t> </a:t>
+            </a:r>
+          </a:p>
+          <a:p>
+            <a:pPr algn="ctr">
+              <a:buNone/>
+            </a:pPr>
+            <a:r>
+              <a:rPr lang="zh-TW" altLang="en-US" sz="4800" b="1" dirty="0">
+                <a:solidFill>
+                  <a:srgbClr val="000066"/>
+                </a:solidFill>
+                <a:latin typeface="微軟正黑體" pitchFamily="34" charset="-120"/>
+                <a:ea typeface="微軟正黑體" pitchFamily="34" charset="-120"/>
+              </a:rPr>
+              <a:t>比山高 </a:t>
+            </a:r>
+            <a:r>
+              <a:rPr lang="zh-TW" altLang="en-US" sz="4800" b="1" dirty="0" smtClean="0">
+                <a:solidFill>
+                  <a:srgbClr val="000066"/>
+                </a:solidFill>
+                <a:latin typeface="微軟正黑體" pitchFamily="34" charset="-120"/>
+                <a:ea typeface="微軟正黑體" pitchFamily="34" charset="-120"/>
+              </a:rPr>
+              <a:t> 比</a:t>
+            </a:r>
+            <a:r>
+              <a:rPr lang="zh-TW" altLang="en-US" sz="4800" b="1" dirty="0">
+                <a:solidFill>
+                  <a:srgbClr val="000066"/>
+                </a:solidFill>
+                <a:latin typeface="微軟正黑體" pitchFamily="34" charset="-120"/>
+                <a:ea typeface="微軟正黑體" pitchFamily="34" charset="-120"/>
+              </a:rPr>
+              <a:t>海深</a:t>
+            </a:r>
+            <a:endParaRPr lang="en-US" altLang="zh-TW" sz="4800" b="1" dirty="0">
               <a:solidFill>
                 <a:srgbClr val="000066"/>
               </a:solidFill>
@@ -3360,94 +3305,72 @@
       </p:sp>
       <p:sp>
         <p:nvSpPr>
-          <p:cNvPr id="5" name="內容版面配置區 4"/>
-          <p:cNvSpPr>
-            <a:spLocks noGrp="1"/>
-          </p:cNvSpPr>
-          <p:nvPr>
-            <p:ph idx="1"/>
-          </p:nvPr>
+          <p:cNvPr id="3" name="TextBox 2"/>
+          <p:cNvSpPr txBox="1"/>
+          <p:nvPr/>
         </p:nvSpPr>
         <p:spPr>
           <a:xfrm>
-            <a:off x="0" y="1200150"/>
-            <a:ext cx="9144000" cy="3943350"/>
+            <a:off x="0" y="3867894"/>
+            <a:ext cx="9144000" cy="584775"/>
           </a:xfrm>
+          <a:prstGeom prst="rect">
+            <a:avLst/>
+          </a:prstGeom>
+          <a:noFill/>
         </p:spPr>
         <p:txBody>
-          <a:bodyPr>
-            <a:noAutofit/>
+          <a:bodyPr wrap="square" rtlCol="0">
+            <a:spAutoFit/>
           </a:bodyPr>
           <a:lstStyle/>
           <a:p>
-            <a:pPr algn="ctr">
-              <a:buNone/>
-            </a:pPr>
-            <a:r>
-              <a:rPr lang="zh-TW" altLang="en-US" sz="4800" b="1" dirty="0" smtClean="0">
-                <a:solidFill>
-                  <a:srgbClr val="000066"/>
-                </a:solidFill>
-                <a:latin typeface="微軟正黑體" pitchFamily="34" charset="-120"/>
-                <a:ea typeface="微軟正黑體" pitchFamily="34" charset="-120"/>
-              </a:rPr>
-              <a:t>因為有你 因為有我</a:t>
-            </a:r>
-            <a:endParaRPr lang="en-US" altLang="zh-TW" sz="4800" b="1" dirty="0" smtClean="0">
+            <a:pPr algn="ctr"/>
+            <a:r>
+              <a:rPr lang="en-US" sz="3200" b="1" dirty="0" smtClean="0">
+                <a:solidFill>
+                  <a:srgbClr val="000066"/>
+                </a:solidFill>
+                <a:latin typeface="Microsoft JhengHei" panose="020B0604030504040204" pitchFamily="34" charset="-120"/>
+                <a:ea typeface="Microsoft JhengHei" panose="020B0604030504040204" pitchFamily="34" charset="-120"/>
+              </a:rPr>
+              <a:t>( </a:t>
+            </a:r>
+            <a:r>
+              <a:rPr lang="zh-CN" altLang="en-US" sz="3200" b="1" dirty="0" smtClean="0">
+                <a:solidFill>
+                  <a:srgbClr val="000066"/>
+                </a:solidFill>
+                <a:latin typeface="Microsoft JhengHei" panose="020B0604030504040204" pitchFamily="34" charset="-120"/>
+                <a:ea typeface="Microsoft JhengHei" panose="020B0604030504040204" pitchFamily="34" charset="-120"/>
+              </a:rPr>
+              <a:t>正</a:t>
+            </a:r>
+            <a:r>
+              <a:rPr lang="en-US" sz="3200" b="1" dirty="0" smtClean="0">
+                <a:solidFill>
+                  <a:srgbClr val="000066"/>
+                </a:solidFill>
+                <a:latin typeface="Microsoft JhengHei" panose="020B0604030504040204" pitchFamily="34" charset="-120"/>
+                <a:ea typeface="Microsoft JhengHei" panose="020B0604030504040204" pitchFamily="34" charset="-120"/>
+              </a:rPr>
+              <a:t> )</a:t>
+            </a:r>
+            <a:endParaRPr lang="vi-VN" sz="3200" b="1" dirty="0">
               <a:solidFill>
                 <a:srgbClr val="000066"/>
               </a:solidFill>
-              <a:latin typeface="微軟正黑體" pitchFamily="34" charset="-120"/>
-              <a:ea typeface="微軟正黑體" pitchFamily="34" charset="-120"/>
+              <a:ea typeface="Microsoft JhengHei" panose="020B0604030504040204" pitchFamily="34" charset="-120"/>
             </a:endParaRPr>
           </a:p>
-          <a:p>
-            <a:pPr algn="ctr">
-              <a:buNone/>
-            </a:pPr>
-            <a:r>
-              <a:rPr lang="zh-TW" altLang="en-US" sz="4800" b="1" dirty="0" smtClean="0">
-                <a:solidFill>
-                  <a:srgbClr val="000066"/>
-                </a:solidFill>
-                <a:latin typeface="微軟正黑體" pitchFamily="34" charset="-120"/>
-                <a:ea typeface="微軟正黑體" pitchFamily="34" charset="-120"/>
-              </a:rPr>
-              <a:t>甘心給 用心愛</a:t>
-            </a:r>
-            <a:endParaRPr lang="en-US" altLang="zh-TW" sz="4800" b="1" dirty="0" smtClean="0">
-              <a:solidFill>
-                <a:srgbClr val="000066"/>
-              </a:solidFill>
-              <a:latin typeface="微軟正黑體" pitchFamily="34" charset="-120"/>
-              <a:ea typeface="微軟正黑體" pitchFamily="34" charset="-120"/>
-            </a:endParaRPr>
-          </a:p>
-          <a:p>
-            <a:pPr algn="ctr">
-              <a:buNone/>
-            </a:pPr>
-            <a:r>
-              <a:rPr lang="zh-TW" altLang="en-US" sz="4800" b="1" dirty="0" smtClean="0">
-                <a:solidFill>
-                  <a:srgbClr val="000066"/>
-                </a:solidFill>
-                <a:latin typeface="微軟正黑體" pitchFamily="34" charset="-120"/>
-                <a:ea typeface="微軟正黑體" pitchFamily="34" charset="-120"/>
-              </a:rPr>
-              <a:t>把心中這一份愛 活出來</a:t>
-            </a:r>
-            <a:endParaRPr lang="zh-TW" altLang="en-US" sz="4800" b="1" dirty="0">
-              <a:solidFill>
-                <a:srgbClr val="000066"/>
-              </a:solidFill>
-              <a:latin typeface="微軟正黑體" pitchFamily="34" charset="-120"/>
-              <a:ea typeface="微軟正黑體" pitchFamily="34" charset="-120"/>
-            </a:endParaRPr>
-          </a:p>
         </p:txBody>
       </p:sp>
     </p:spTree>
+    <p:extLst>
+      <p:ext uri="{BB962C8B-B14F-4D97-AF65-F5344CB8AC3E}">
+        <p14:creationId xmlns:p14="http://schemas.microsoft.com/office/powerpoint/2010/main" val="4157906777"/>
+      </p:ext>
+    </p:extLst>
   </p:cSld>
   <p:clrMapOvr>
     <a:masterClrMapping/>
@@ -3474,46 +3397,154 @@
       </p:grpSpPr>
       <p:sp>
         <p:nvSpPr>
-          <p:cNvPr id="4" name="標題 3"/>
-          <p:cNvSpPr>
-            <a:spLocks noGrp="1"/>
-          </p:cNvSpPr>
-          <p:nvPr>
-            <p:ph type="title"/>
+          <p:cNvPr id="5" name="內容版面配置區 4"/>
+          <p:cNvSpPr>
+            <a:spLocks noGrp="1"/>
+          </p:cNvSpPr>
+          <p:nvPr>
+            <p:ph idx="1"/>
           </p:nvPr>
         </p:nvSpPr>
         <p:spPr>
           <a:xfrm>
-            <a:off x="0" y="0"/>
-            <a:ext cx="9144000" cy="1143000"/>
+            <a:off x="0" y="1563638"/>
+            <a:ext cx="9144000" cy="1803647"/>
           </a:xfrm>
         </p:spPr>
         <p:txBody>
-          <a:bodyPr>
+          <a:bodyPr anchor="ctr">
             <a:normAutofit/>
           </a:bodyPr>
           <a:lstStyle/>
           <a:p>
-            <a:r>
-              <a:rPr lang="zh-CN" altLang="en-US" sz="4000" b="1" dirty="0">
+            <a:pPr algn="ctr">
+              <a:buNone/>
+            </a:pPr>
+            <a:r>
+              <a:rPr lang="zh-TW" altLang="en-US" sz="4800" b="1" dirty="0">
                 <a:solidFill>
                   <a:srgbClr val="000066"/>
                 </a:solidFill>
                 <a:latin typeface="微軟正黑體" pitchFamily="34" charset="-120"/>
                 <a:ea typeface="微軟正黑體" pitchFamily="34" charset="-120"/>
               </a:rPr>
-              <a:t>活出愛</a:t>
-            </a:r>
-            <a:endParaRPr lang="zh-TW" altLang="en-US" sz="4000" b="1" dirty="0">
+              <a:t>測不透  摸不著 </a:t>
+            </a:r>
+            <a:r>
+              <a:rPr lang="zh-TW" altLang="en-US" sz="4800" b="1" dirty="0" smtClean="0">
+                <a:solidFill>
+                  <a:srgbClr val="000066"/>
+                </a:solidFill>
+                <a:latin typeface="微軟正黑體" pitchFamily="34" charset="-120"/>
+                <a:ea typeface="微軟正黑體" pitchFamily="34" charset="-120"/>
+              </a:rPr>
+              <a:t> 卻</a:t>
+            </a:r>
+            <a:r>
+              <a:rPr lang="zh-TW" altLang="en-US" sz="4800" b="1" dirty="0">
+                <a:solidFill>
+                  <a:srgbClr val="000066"/>
+                </a:solidFill>
+                <a:latin typeface="微軟正黑體" pitchFamily="34" charset="-120"/>
+                <a:ea typeface="微軟正黑體" pitchFamily="34" charset="-120"/>
+              </a:rPr>
+              <a:t>看得見</a:t>
+            </a:r>
+          </a:p>
+        </p:txBody>
+      </p:sp>
+      <p:sp>
+        <p:nvSpPr>
+          <p:cNvPr id="3" name="TextBox 2"/>
+          <p:cNvSpPr txBox="1"/>
+          <p:nvPr/>
+        </p:nvSpPr>
+        <p:spPr>
+          <a:xfrm>
+            <a:off x="0" y="3867894"/>
+            <a:ext cx="9144000" cy="584775"/>
+          </a:xfrm>
+          <a:prstGeom prst="rect">
+            <a:avLst/>
+          </a:prstGeom>
+          <a:noFill/>
+        </p:spPr>
+        <p:txBody>
+          <a:bodyPr wrap="square" rtlCol="0">
+            <a:spAutoFit/>
+          </a:bodyPr>
+          <a:lstStyle/>
+          <a:p>
+            <a:pPr algn="ctr"/>
+            <a:r>
+              <a:rPr lang="en-US" sz="3200" b="1" dirty="0" smtClean="0">
+                <a:solidFill>
+                  <a:srgbClr val="000066"/>
+                </a:solidFill>
+                <a:latin typeface="Microsoft JhengHei" panose="020B0604030504040204" pitchFamily="34" charset="-120"/>
+                <a:ea typeface="Microsoft JhengHei" panose="020B0604030504040204" pitchFamily="34" charset="-120"/>
+              </a:rPr>
+              <a:t>( </a:t>
+            </a:r>
+            <a:r>
+              <a:rPr lang="zh-CN" altLang="en-US" sz="3200" b="1" dirty="0" smtClean="0">
+                <a:solidFill>
+                  <a:srgbClr val="000066"/>
+                </a:solidFill>
+                <a:latin typeface="Microsoft JhengHei" panose="020B0604030504040204" pitchFamily="34" charset="-120"/>
+                <a:ea typeface="Microsoft JhengHei" panose="020B0604030504040204" pitchFamily="34" charset="-120"/>
+              </a:rPr>
+              <a:t>正</a:t>
+            </a:r>
+            <a:r>
+              <a:rPr lang="en-US" sz="3200" b="1" dirty="0" smtClean="0">
+                <a:solidFill>
+                  <a:srgbClr val="000066"/>
+                </a:solidFill>
+                <a:latin typeface="Microsoft JhengHei" panose="020B0604030504040204" pitchFamily="34" charset="-120"/>
+                <a:ea typeface="Microsoft JhengHei" panose="020B0604030504040204" pitchFamily="34" charset="-120"/>
+              </a:rPr>
+              <a:t> )</a:t>
+            </a:r>
+            <a:endParaRPr lang="vi-VN" sz="3200" b="1" dirty="0">
               <a:solidFill>
                 <a:srgbClr val="000066"/>
               </a:solidFill>
-              <a:latin typeface="微軟正黑體" pitchFamily="34" charset="-120"/>
-              <a:ea typeface="微軟正黑體" pitchFamily="34" charset="-120"/>
+              <a:ea typeface="Microsoft JhengHei" panose="020B0604030504040204" pitchFamily="34" charset="-120"/>
             </a:endParaRPr>
           </a:p>
         </p:txBody>
       </p:sp>
+    </p:spTree>
+    <p:extLst>
+      <p:ext uri="{BB962C8B-B14F-4D97-AF65-F5344CB8AC3E}">
+        <p14:creationId xmlns:p14="http://schemas.microsoft.com/office/powerpoint/2010/main" val="627074785"/>
+      </p:ext>
+    </p:extLst>
+  </p:cSld>
+  <p:clrMapOvr>
+    <a:masterClrMapping/>
+  </p:clrMapOvr>
+</p:sld>
+</file>
+
+<file path=ppt/slides/slide4.xml><?xml version="1.0" encoding="utf-8"?>
+<p:sld xmlns:a="http://schemas.openxmlformats.org/drawingml/2006/main" xmlns:r="http://schemas.openxmlformats.org/officeDocument/2006/relationships" xmlns:p="http://schemas.openxmlformats.org/presentationml/2006/main">
+  <p:cSld>
+    <p:spTree>
+      <p:nvGrpSpPr>
+        <p:cNvPr id="1" name=""/>
+        <p:cNvGrpSpPr/>
+        <p:nvPr/>
+      </p:nvGrpSpPr>
+      <p:grpSpPr>
+        <a:xfrm>
+          <a:off x="0" y="0"/>
+          <a:ext cx="0" cy="0"/>
+          <a:chOff x="0" y="0"/>
+          <a:chExt cx="0" cy="0"/>
+        </a:xfrm>
+      </p:grpSpPr>
       <p:sp>
         <p:nvSpPr>
           <p:cNvPr id="5" name="內容版面配置區 4"/>
@@ -3526,13 +3557,13 @@
         </p:nvSpPr>
         <p:spPr>
           <a:xfrm>
-            <a:off x="0" y="1200150"/>
-            <a:ext cx="9144000" cy="3943350"/>
+            <a:off x="0" y="1563638"/>
+            <a:ext cx="9144000" cy="1803647"/>
           </a:xfrm>
         </p:spPr>
         <p:txBody>
-          <a:bodyPr>
-            <a:noAutofit/>
+          <a:bodyPr anchor="ctr">
+            <a:normAutofit/>
           </a:bodyPr>
           <a:lstStyle/>
           <a:p>
@@ -3547,7 +3578,7 @@
                 <a:latin typeface="微軟正黑體" pitchFamily="34" charset="-120"/>
                 <a:ea typeface="微軟正黑體" pitchFamily="34" charset="-120"/>
               </a:rPr>
-              <a:t>耶穌的愛激勵</a:t>
+              <a:t>因為有你 </a:t>
             </a:r>
             <a:r>
               <a:rPr lang="zh-TW" altLang="en-US" sz="4800" b="1" dirty="0" smtClean="0">
@@ -3557,67 +3588,17 @@
                 <a:latin typeface="微軟正黑體" pitchFamily="34" charset="-120"/>
                 <a:ea typeface="微軟正黑體" pitchFamily="34" charset="-120"/>
               </a:rPr>
-              <a:t>我</a:t>
-            </a:r>
-            <a:r>
-              <a:rPr lang="en-US" altLang="zh-TW" sz="4800" b="1" dirty="0" smtClean="0">
+              <a:t> 因</a:t>
+            </a:r>
+            <a:r>
+              <a:rPr lang="zh-TW" altLang="en-US" sz="4800" b="1" dirty="0">
                 <a:solidFill>
                   <a:srgbClr val="000066"/>
                 </a:solidFill>
                 <a:latin typeface="微軟正黑體" pitchFamily="34" charset="-120"/>
                 <a:ea typeface="微軟正黑體" pitchFamily="34" charset="-120"/>
               </a:rPr>
-              <a:t>  </a:t>
-            </a:r>
-            <a:r>
-              <a:rPr lang="zh-CN" altLang="en-US" sz="4800" b="1" dirty="0" smtClean="0">
-                <a:solidFill>
-                  <a:srgbClr val="000066"/>
-                </a:solidFill>
-                <a:latin typeface="微軟正黑體" pitchFamily="34" charset="-120"/>
-                <a:ea typeface="微軟正黑體" pitchFamily="34" charset="-120"/>
-              </a:rPr>
-              <a:t>敞</a:t>
-            </a:r>
-            <a:r>
-              <a:rPr lang="zh-CN" altLang="en-US" sz="4800" b="1" dirty="0">
-                <a:solidFill>
-                  <a:srgbClr val="000066"/>
-                </a:solidFill>
-                <a:latin typeface="微軟正黑體" pitchFamily="34" charset="-120"/>
-                <a:ea typeface="微軟正黑體" pitchFamily="34" charset="-120"/>
-              </a:rPr>
-              <a:t>開</a:t>
-            </a:r>
-            <a:r>
-              <a:rPr lang="zh-TW" altLang="en-US" sz="4800" b="1" dirty="0">
-                <a:solidFill>
-                  <a:srgbClr val="000066"/>
-                </a:solidFill>
-                <a:latin typeface="微軟正黑體" pitchFamily="34" charset="-120"/>
-                <a:ea typeface="微軟正黑體" pitchFamily="34" charset="-120"/>
-              </a:rPr>
-              <a:t>我</a:t>
-            </a:r>
-            <a:r>
-              <a:rPr lang="zh-TW" altLang="en-US" sz="4800" b="1" dirty="0">
-                <a:solidFill>
-                  <a:srgbClr val="000066"/>
-                </a:solidFill>
-                <a:latin typeface="微軟正黑體" pitchFamily="34" charset="-120"/>
-                <a:ea typeface="微軟正黑體" pitchFamily="34" charset="-120"/>
-              </a:rPr>
-              <a:t>的</a:t>
-            </a:r>
-            <a:r>
-              <a:rPr lang="zh-TW" altLang="en-US" sz="4800" b="1" dirty="0">
-                <a:solidFill>
-                  <a:srgbClr val="000066"/>
-                </a:solidFill>
-                <a:latin typeface="微軟正黑體" pitchFamily="34" charset="-120"/>
-                <a:ea typeface="微軟正黑體" pitchFamily="34" charset="-120"/>
-              </a:rPr>
-              <a:t>生命</a:t>
+              <a:t>為有我</a:t>
             </a:r>
             <a:endParaRPr lang="en-US" altLang="zh-TW" sz="4800" b="1" dirty="0">
               <a:solidFill>
@@ -3639,69 +3620,27 @@
                 <a:latin typeface="微軟正黑體" pitchFamily="34" charset="-120"/>
                 <a:ea typeface="微軟正黑體" pitchFamily="34" charset="-120"/>
               </a:rPr>
-              <a:t>讓</a:t>
-            </a:r>
-            <a:r>
-              <a:rPr lang="zh-TW" altLang="en-US" sz="4800" b="1" dirty="0">
+              <a:t>甘心給 </a:t>
+            </a:r>
+            <a:r>
+              <a:rPr lang="zh-TW" altLang="en-US" sz="4800" b="1" dirty="0" smtClean="0">
                 <a:solidFill>
                   <a:srgbClr val="000066"/>
                 </a:solidFill>
                 <a:latin typeface="微軟正黑體" pitchFamily="34" charset="-120"/>
                 <a:ea typeface="微軟正黑體" pitchFamily="34" charset="-120"/>
               </a:rPr>
-              <a:t>自己成為別人祝</a:t>
-            </a:r>
-            <a:r>
-              <a:rPr lang="zh-TW" altLang="en-US" sz="4800" b="1" dirty="0" smtClean="0">
+              <a:t> 用</a:t>
+            </a:r>
+            <a:r>
+              <a:rPr lang="zh-TW" altLang="en-US" sz="4800" b="1" dirty="0">
                 <a:solidFill>
                   <a:srgbClr val="000066"/>
                 </a:solidFill>
                 <a:latin typeface="微軟正黑體" pitchFamily="34" charset="-120"/>
                 <a:ea typeface="微軟正黑體" pitchFamily="34" charset="-120"/>
               </a:rPr>
-              <a:t>福</a:t>
-            </a:r>
-            <a:endParaRPr lang="en-US" altLang="zh-TW" sz="4800" b="1" dirty="0" smtClean="0">
-              <a:solidFill>
-                <a:srgbClr val="000066"/>
-              </a:solidFill>
-              <a:latin typeface="微軟正黑體" pitchFamily="34" charset="-120"/>
-              <a:ea typeface="微軟正黑體" pitchFamily="34" charset="-120"/>
-            </a:endParaRPr>
-          </a:p>
-          <a:p>
-            <a:pPr algn="ctr">
-              <a:buNone/>
-            </a:pPr>
-            <a:r>
-              <a:rPr lang="zh-TW" altLang="en-US" sz="4800" b="1" dirty="0">
-                <a:solidFill>
-                  <a:srgbClr val="000066"/>
-                </a:solidFill>
-                <a:latin typeface="微軟正黑體" pitchFamily="34" charset="-120"/>
-                <a:ea typeface="微軟正黑體" pitchFamily="34" charset="-120"/>
-              </a:rPr>
-              <a:t>耶穌的愛點燃我</a:t>
-            </a:r>
-            <a:r>
-              <a:rPr lang="en-US" altLang="zh-TW" sz="4800" b="1" dirty="0">
-                <a:solidFill>
-                  <a:srgbClr val="000066"/>
-                </a:solidFill>
-                <a:latin typeface="微軟正黑體" pitchFamily="34" charset="-120"/>
-                <a:ea typeface="微軟正黑體" pitchFamily="34" charset="-120"/>
-              </a:rPr>
-              <a:t>  </a:t>
-            </a:r>
-            <a:r>
-              <a:rPr lang="zh-TW" altLang="en-US" sz="4800" b="1" dirty="0">
-                <a:solidFill>
-                  <a:srgbClr val="000066"/>
-                </a:solidFill>
-                <a:latin typeface="微軟正黑體" pitchFamily="34" charset="-120"/>
-                <a:ea typeface="微軟正黑體" pitchFamily="34" charset="-120"/>
-              </a:rPr>
-              <a:t>心中熊熊愛火</a:t>
+              <a:t>心愛</a:t>
             </a:r>
             <a:endParaRPr lang="en-US" altLang="zh-TW" sz="4800" b="1" dirty="0">
               <a:solidFill>
@@ -3711,6 +3650,121 @@
               <a:ea typeface="微軟正黑體" pitchFamily="34" charset="-120"/>
             </a:endParaRPr>
           </a:p>
+        </p:txBody>
+      </p:sp>
+      <p:sp>
+        <p:nvSpPr>
+          <p:cNvPr id="3" name="TextBox 2"/>
+          <p:cNvSpPr txBox="1"/>
+          <p:nvPr/>
+        </p:nvSpPr>
+        <p:spPr>
+          <a:xfrm>
+            <a:off x="0" y="3867894"/>
+            <a:ext cx="9144000" cy="584775"/>
+          </a:xfrm>
+          <a:prstGeom prst="rect">
+            <a:avLst/>
+          </a:prstGeom>
+          <a:noFill/>
+        </p:spPr>
+        <p:txBody>
+          <a:bodyPr wrap="square" rtlCol="0">
+            <a:spAutoFit/>
+          </a:bodyPr>
+          <a:lstStyle/>
+          <a:p>
+            <a:pPr algn="ctr"/>
+            <a:r>
+              <a:rPr lang="en-US" sz="3200" b="1" dirty="0" smtClean="0">
+                <a:solidFill>
+                  <a:srgbClr val="000066"/>
+                </a:solidFill>
+                <a:latin typeface="Microsoft JhengHei" panose="020B0604030504040204" pitchFamily="34" charset="-120"/>
+                <a:ea typeface="Microsoft JhengHei" panose="020B0604030504040204" pitchFamily="34" charset="-120"/>
+              </a:rPr>
+              <a:t>( </a:t>
+            </a:r>
+            <a:r>
+              <a:rPr lang="zh-CN" altLang="en-US" sz="3200" b="1" dirty="0" smtClean="0">
+                <a:solidFill>
+                  <a:srgbClr val="000066"/>
+                </a:solidFill>
+                <a:latin typeface="Microsoft JhengHei" panose="020B0604030504040204" pitchFamily="34" charset="-120"/>
+                <a:ea typeface="Microsoft JhengHei" panose="020B0604030504040204" pitchFamily="34" charset="-120"/>
+              </a:rPr>
+              <a:t>正</a:t>
+            </a:r>
+            <a:r>
+              <a:rPr lang="en-US" sz="3200" b="1" dirty="0" smtClean="0">
+                <a:solidFill>
+                  <a:srgbClr val="000066"/>
+                </a:solidFill>
+                <a:latin typeface="Microsoft JhengHei" panose="020B0604030504040204" pitchFamily="34" charset="-120"/>
+                <a:ea typeface="Microsoft JhengHei" panose="020B0604030504040204" pitchFamily="34" charset="-120"/>
+              </a:rPr>
+              <a:t> )</a:t>
+            </a:r>
+            <a:endParaRPr lang="vi-VN" sz="3200" b="1" dirty="0">
+              <a:solidFill>
+                <a:srgbClr val="000066"/>
+              </a:solidFill>
+              <a:ea typeface="Microsoft JhengHei" panose="020B0604030504040204" pitchFamily="34" charset="-120"/>
+            </a:endParaRPr>
+          </a:p>
+        </p:txBody>
+      </p:sp>
+    </p:spTree>
+    <p:extLst>
+      <p:ext uri="{BB962C8B-B14F-4D97-AF65-F5344CB8AC3E}">
+        <p14:creationId xmlns:p14="http://schemas.microsoft.com/office/powerpoint/2010/main" val="1200520726"/>
+      </p:ext>
+    </p:extLst>
+  </p:cSld>
+  <p:clrMapOvr>
+    <a:masterClrMapping/>
+  </p:clrMapOvr>
+</p:sld>
+</file>
+
+<file path=ppt/slides/slide5.xml><?xml version="1.0" encoding="utf-8"?>
+<p:sld xmlns:a="http://schemas.openxmlformats.org/drawingml/2006/main" xmlns:r="http://schemas.openxmlformats.org/officeDocument/2006/relationships" xmlns:p="http://schemas.openxmlformats.org/presentationml/2006/main">
+  <p:cSld>
+    <p:spTree>
+      <p:nvGrpSpPr>
+        <p:cNvPr id="1" name=""/>
+        <p:cNvGrpSpPr/>
+        <p:nvPr/>
+      </p:nvGrpSpPr>
+      <p:grpSpPr>
+        <a:xfrm>
+          <a:off x="0" y="0"/>
+          <a:ext cx="0" cy="0"/>
+          <a:chOff x="0" y="0"/>
+          <a:chExt cx="0" cy="0"/>
+        </a:xfrm>
+      </p:grpSpPr>
+      <p:sp>
+        <p:nvSpPr>
+          <p:cNvPr id="5" name="內容版面配置區 4"/>
+          <p:cNvSpPr>
+            <a:spLocks noGrp="1"/>
+          </p:cNvSpPr>
+          <p:nvPr>
+            <p:ph idx="1"/>
+          </p:nvPr>
+        </p:nvSpPr>
+        <p:spPr>
+          <a:xfrm>
+            <a:off x="0" y="1563638"/>
+            <a:ext cx="9144000" cy="1803647"/>
+          </a:xfrm>
+        </p:spPr>
+        <p:txBody>
+          <a:bodyPr anchor="ctr">
+            <a:normAutofit/>
+          </a:bodyPr>
+          <a:lstStyle/>
           <a:p>
             <a:pPr algn="ctr">
               <a:buNone/>
@@ -3723,7 +3777,7 @@
                 <a:latin typeface="微軟正黑體" pitchFamily="34" charset="-120"/>
                 <a:ea typeface="微軟正黑體" pitchFamily="34" charset="-120"/>
               </a:rPr>
-              <a:t>我們一起 向世界 活出</a:t>
+              <a:t>把心中這一份愛 </a:t>
             </a:r>
             <a:r>
               <a:rPr lang="zh-TW" altLang="en-US" sz="4800" b="1" dirty="0" smtClean="0">
@@ -3733,7 +3787,17 @@
                 <a:latin typeface="微軟正黑體" pitchFamily="34" charset="-120"/>
                 <a:ea typeface="微軟正黑體" pitchFamily="34" charset="-120"/>
               </a:rPr>
-              <a:t>愛</a:t>
+              <a:t> 活</a:t>
+            </a:r>
+            <a:r>
+              <a:rPr lang="zh-TW" altLang="en-US" sz="4800" b="1" dirty="0">
+                <a:solidFill>
+                  <a:srgbClr val="000066"/>
+                </a:solidFill>
+                <a:latin typeface="微軟正黑體" pitchFamily="34" charset="-120"/>
+                <a:ea typeface="微軟正黑體" pitchFamily="34" charset="-120"/>
+              </a:rPr>
+              <a:t>出來</a:t>
             </a:r>
             <a:endParaRPr lang="zh-TW" altLang="en-US" sz="4800" b="1" dirty="0">
               <a:solidFill>
@@ -3745,7 +3809,482 @@
           </a:p>
         </p:txBody>
       </p:sp>
+      <p:sp>
+        <p:nvSpPr>
+          <p:cNvPr id="3" name="TextBox 2"/>
+          <p:cNvSpPr txBox="1"/>
+          <p:nvPr/>
+        </p:nvSpPr>
+        <p:spPr>
+          <a:xfrm>
+            <a:off x="0" y="3867894"/>
+            <a:ext cx="9144000" cy="584775"/>
+          </a:xfrm>
+          <a:prstGeom prst="rect">
+            <a:avLst/>
+          </a:prstGeom>
+          <a:noFill/>
+        </p:spPr>
+        <p:txBody>
+          <a:bodyPr wrap="square" rtlCol="0">
+            <a:spAutoFit/>
+          </a:bodyPr>
+          <a:lstStyle/>
+          <a:p>
+            <a:pPr algn="ctr"/>
+            <a:r>
+              <a:rPr lang="en-US" sz="3200" b="1" dirty="0" smtClean="0">
+                <a:solidFill>
+                  <a:srgbClr val="000066"/>
+                </a:solidFill>
+                <a:latin typeface="Microsoft JhengHei" panose="020B0604030504040204" pitchFamily="34" charset="-120"/>
+                <a:ea typeface="Microsoft JhengHei" panose="020B0604030504040204" pitchFamily="34" charset="-120"/>
+              </a:rPr>
+              <a:t>( </a:t>
+            </a:r>
+            <a:r>
+              <a:rPr lang="zh-CN" altLang="en-US" sz="3200" b="1" dirty="0" smtClean="0">
+                <a:solidFill>
+                  <a:srgbClr val="000066"/>
+                </a:solidFill>
+                <a:latin typeface="Microsoft JhengHei" panose="020B0604030504040204" pitchFamily="34" charset="-120"/>
+                <a:ea typeface="Microsoft JhengHei" panose="020B0604030504040204" pitchFamily="34" charset="-120"/>
+              </a:rPr>
+              <a:t>正</a:t>
+            </a:r>
+            <a:r>
+              <a:rPr lang="en-US" sz="3200" b="1" dirty="0" smtClean="0">
+                <a:solidFill>
+                  <a:srgbClr val="000066"/>
+                </a:solidFill>
+                <a:latin typeface="Microsoft JhengHei" panose="020B0604030504040204" pitchFamily="34" charset="-120"/>
+                <a:ea typeface="Microsoft JhengHei" panose="020B0604030504040204" pitchFamily="34" charset="-120"/>
+              </a:rPr>
+              <a:t> )</a:t>
+            </a:r>
+            <a:endParaRPr lang="vi-VN" sz="3200" b="1" dirty="0">
+              <a:solidFill>
+                <a:srgbClr val="000066"/>
+              </a:solidFill>
+              <a:ea typeface="Microsoft JhengHei" panose="020B0604030504040204" pitchFamily="34" charset="-120"/>
+            </a:endParaRPr>
+          </a:p>
+        </p:txBody>
+      </p:sp>
     </p:spTree>
+    <p:extLst>
+      <p:ext uri="{BB962C8B-B14F-4D97-AF65-F5344CB8AC3E}">
+        <p14:creationId xmlns:p14="http://schemas.microsoft.com/office/powerpoint/2010/main" val="208780711"/>
+      </p:ext>
+    </p:extLst>
+  </p:cSld>
+  <p:clrMapOvr>
+    <a:masterClrMapping/>
+  </p:clrMapOvr>
+</p:sld>
+</file>
+
+<file path=ppt/slides/slide6.xml><?xml version="1.0" encoding="utf-8"?>
+<p:sld xmlns:a="http://schemas.openxmlformats.org/drawingml/2006/main" xmlns:r="http://schemas.openxmlformats.org/officeDocument/2006/relationships" xmlns:p="http://schemas.openxmlformats.org/presentationml/2006/main">
+  <p:cSld>
+    <p:spTree>
+      <p:nvGrpSpPr>
+        <p:cNvPr id="1" name=""/>
+        <p:cNvGrpSpPr/>
+        <p:nvPr/>
+      </p:nvGrpSpPr>
+      <p:grpSpPr>
+        <a:xfrm>
+          <a:off x="0" y="0"/>
+          <a:ext cx="0" cy="0"/>
+          <a:chOff x="0" y="0"/>
+          <a:chExt cx="0" cy="0"/>
+        </a:xfrm>
+      </p:grpSpPr>
+      <p:sp>
+        <p:nvSpPr>
+          <p:cNvPr id="5" name="內容版面配置區 4"/>
+          <p:cNvSpPr>
+            <a:spLocks noGrp="1"/>
+          </p:cNvSpPr>
+          <p:nvPr>
+            <p:ph idx="1"/>
+          </p:nvPr>
+        </p:nvSpPr>
+        <p:spPr>
+          <a:xfrm>
+            <a:off x="0" y="1563638"/>
+            <a:ext cx="9144000" cy="1803647"/>
+          </a:xfrm>
+        </p:spPr>
+        <p:txBody>
+          <a:bodyPr anchor="ctr">
+            <a:normAutofit/>
+          </a:bodyPr>
+          <a:lstStyle/>
+          <a:p>
+            <a:pPr algn="ctr">
+              <a:buNone/>
+            </a:pPr>
+            <a:r>
+              <a:rPr lang="zh-TW" altLang="en-US" sz="4800" b="1" dirty="0">
+                <a:solidFill>
+                  <a:srgbClr val="000066"/>
+                </a:solidFill>
+                <a:latin typeface="微軟正黑體" pitchFamily="34" charset="-120"/>
+                <a:ea typeface="微軟正黑體" pitchFamily="34" charset="-120"/>
+              </a:rPr>
+              <a:t>耶穌的愛激勵我</a:t>
+            </a:r>
+            <a:r>
+              <a:rPr lang="en-US" altLang="zh-TW" sz="4800" b="1" dirty="0">
+                <a:solidFill>
+                  <a:srgbClr val="000066"/>
+                </a:solidFill>
+                <a:latin typeface="微軟正黑體" pitchFamily="34" charset="-120"/>
+                <a:ea typeface="微軟正黑體" pitchFamily="34" charset="-120"/>
+              </a:rPr>
+              <a:t>  </a:t>
+            </a:r>
+            <a:r>
+              <a:rPr lang="zh-CN" altLang="en-US" sz="4800" b="1" dirty="0">
+                <a:solidFill>
+                  <a:srgbClr val="000066"/>
+                </a:solidFill>
+                <a:latin typeface="微軟正黑體" pitchFamily="34" charset="-120"/>
+                <a:ea typeface="微軟正黑體" pitchFamily="34" charset="-120"/>
+              </a:rPr>
+              <a:t>敞開</a:t>
+            </a:r>
+            <a:r>
+              <a:rPr lang="zh-TW" altLang="en-US" sz="4800" b="1" dirty="0">
+                <a:solidFill>
+                  <a:srgbClr val="000066"/>
+                </a:solidFill>
+                <a:latin typeface="微軟正黑體" pitchFamily="34" charset="-120"/>
+                <a:ea typeface="微軟正黑體" pitchFamily="34" charset="-120"/>
+              </a:rPr>
+              <a:t>我的生命</a:t>
+            </a:r>
+            <a:endParaRPr lang="en-US" altLang="zh-TW" sz="4800" b="1" dirty="0">
+              <a:solidFill>
+                <a:srgbClr val="000066"/>
+              </a:solidFill>
+              <a:latin typeface="微軟正黑體" pitchFamily="34" charset="-120"/>
+              <a:ea typeface="微軟正黑體" pitchFamily="34" charset="-120"/>
+            </a:endParaRPr>
+          </a:p>
+          <a:p>
+            <a:pPr algn="ctr">
+              <a:buNone/>
+            </a:pPr>
+            <a:r>
+              <a:rPr lang="zh-TW" altLang="en-US" sz="4800" b="1" dirty="0">
+                <a:solidFill>
+                  <a:srgbClr val="000066"/>
+                </a:solidFill>
+                <a:latin typeface="微軟正黑體" pitchFamily="34" charset="-120"/>
+                <a:ea typeface="微軟正黑體" pitchFamily="34" charset="-120"/>
+              </a:rPr>
+              <a:t>讓自己成為別人祝福</a:t>
+            </a:r>
+            <a:endParaRPr lang="en-US" altLang="zh-TW" sz="4800" b="1" dirty="0">
+              <a:solidFill>
+                <a:srgbClr val="000066"/>
+              </a:solidFill>
+              <a:latin typeface="微軟正黑體" pitchFamily="34" charset="-120"/>
+              <a:ea typeface="微軟正黑體" pitchFamily="34" charset="-120"/>
+            </a:endParaRPr>
+          </a:p>
+        </p:txBody>
+      </p:sp>
+      <p:sp>
+        <p:nvSpPr>
+          <p:cNvPr id="3" name="TextBox 2"/>
+          <p:cNvSpPr txBox="1"/>
+          <p:nvPr/>
+        </p:nvSpPr>
+        <p:spPr>
+          <a:xfrm>
+            <a:off x="0" y="3867894"/>
+            <a:ext cx="9144000" cy="584775"/>
+          </a:xfrm>
+          <a:prstGeom prst="rect">
+            <a:avLst/>
+          </a:prstGeom>
+          <a:noFill/>
+        </p:spPr>
+        <p:txBody>
+          <a:bodyPr wrap="square" rtlCol="0">
+            <a:spAutoFit/>
+          </a:bodyPr>
+          <a:lstStyle/>
+          <a:p>
+            <a:pPr algn="ctr"/>
+            <a:r>
+              <a:rPr lang="en-US" sz="3200" b="1" dirty="0" smtClean="0">
+                <a:solidFill>
+                  <a:srgbClr val="000066"/>
+                </a:solidFill>
+                <a:latin typeface="Microsoft JhengHei" panose="020B0604030504040204" pitchFamily="34" charset="-120"/>
+                <a:ea typeface="Microsoft JhengHei" panose="020B0604030504040204" pitchFamily="34" charset="-120"/>
+              </a:rPr>
+              <a:t>( </a:t>
+            </a:r>
+            <a:r>
+              <a:rPr lang="zh-CN" altLang="en-US" sz="3200" b="1" dirty="0" smtClean="0">
+                <a:solidFill>
+                  <a:srgbClr val="000066"/>
+                </a:solidFill>
+                <a:latin typeface="Microsoft JhengHei" panose="020B0604030504040204" pitchFamily="34" charset="-120"/>
+                <a:ea typeface="Microsoft JhengHei" panose="020B0604030504040204" pitchFamily="34" charset="-120"/>
+              </a:rPr>
+              <a:t>副</a:t>
+            </a:r>
+            <a:r>
+              <a:rPr lang="en-US" sz="3200" b="1" dirty="0" smtClean="0">
+                <a:solidFill>
+                  <a:srgbClr val="000066"/>
+                </a:solidFill>
+                <a:latin typeface="Microsoft JhengHei" panose="020B0604030504040204" pitchFamily="34" charset="-120"/>
+                <a:ea typeface="Microsoft JhengHei" panose="020B0604030504040204" pitchFamily="34" charset="-120"/>
+              </a:rPr>
+              <a:t> </a:t>
+            </a:r>
+            <a:r>
+              <a:rPr lang="en-US" sz="3200" b="1" dirty="0" smtClean="0">
+                <a:solidFill>
+                  <a:srgbClr val="000066"/>
+                </a:solidFill>
+                <a:latin typeface="Microsoft JhengHei" panose="020B0604030504040204" pitchFamily="34" charset="-120"/>
+                <a:ea typeface="Microsoft JhengHei" panose="020B0604030504040204" pitchFamily="34" charset="-120"/>
+              </a:rPr>
+              <a:t>)</a:t>
+            </a:r>
+            <a:endParaRPr lang="vi-VN" sz="3200" b="1" dirty="0">
+              <a:solidFill>
+                <a:srgbClr val="000066"/>
+              </a:solidFill>
+              <a:ea typeface="Microsoft JhengHei" panose="020B0604030504040204" pitchFamily="34" charset="-120"/>
+            </a:endParaRPr>
+          </a:p>
+        </p:txBody>
+      </p:sp>
+    </p:spTree>
+    <p:extLst>
+      <p:ext uri="{BB962C8B-B14F-4D97-AF65-F5344CB8AC3E}">
+        <p14:creationId xmlns:p14="http://schemas.microsoft.com/office/powerpoint/2010/main" val="3843589039"/>
+      </p:ext>
+    </p:extLst>
+  </p:cSld>
+  <p:clrMapOvr>
+    <a:masterClrMapping/>
+  </p:clrMapOvr>
+</p:sld>
+</file>
+
+<file path=ppt/slides/slide7.xml><?xml version="1.0" encoding="utf-8"?>
+<p:sld xmlns:a="http://schemas.openxmlformats.org/drawingml/2006/main" xmlns:r="http://schemas.openxmlformats.org/officeDocument/2006/relationships" xmlns:p="http://schemas.openxmlformats.org/presentationml/2006/main">
+  <p:cSld>
+    <p:spTree>
+      <p:nvGrpSpPr>
+        <p:cNvPr id="1" name=""/>
+        <p:cNvGrpSpPr/>
+        <p:nvPr/>
+      </p:nvGrpSpPr>
+      <p:grpSpPr>
+        <a:xfrm>
+          <a:off x="0" y="0"/>
+          <a:ext cx="0" cy="0"/>
+          <a:chOff x="0" y="0"/>
+          <a:chExt cx="0" cy="0"/>
+        </a:xfrm>
+      </p:grpSpPr>
+      <p:sp>
+        <p:nvSpPr>
+          <p:cNvPr id="5" name="內容版面配置區 4"/>
+          <p:cNvSpPr>
+            <a:spLocks noGrp="1"/>
+          </p:cNvSpPr>
+          <p:nvPr>
+            <p:ph idx="1"/>
+          </p:nvPr>
+        </p:nvSpPr>
+        <p:spPr>
+          <a:xfrm>
+            <a:off x="0" y="1563638"/>
+            <a:ext cx="9144000" cy="1803647"/>
+          </a:xfrm>
+        </p:spPr>
+        <p:txBody>
+          <a:bodyPr anchor="ctr">
+            <a:normAutofit/>
+          </a:bodyPr>
+          <a:lstStyle/>
+          <a:p>
+            <a:pPr algn="ctr">
+              <a:buNone/>
+            </a:pPr>
+            <a:r>
+              <a:rPr lang="zh-TW" altLang="en-US" sz="4800" b="1" dirty="0">
+                <a:solidFill>
+                  <a:srgbClr val="000066"/>
+                </a:solidFill>
+                <a:latin typeface="微軟正黑體" pitchFamily="34" charset="-120"/>
+                <a:ea typeface="微軟正黑體" pitchFamily="34" charset="-120"/>
+              </a:rPr>
+              <a:t>耶穌的愛點燃我</a:t>
+            </a:r>
+            <a:r>
+              <a:rPr lang="en-US" altLang="zh-TW" sz="4800" b="1" dirty="0">
+                <a:solidFill>
+                  <a:srgbClr val="000066"/>
+                </a:solidFill>
+                <a:latin typeface="微軟正黑體" pitchFamily="34" charset="-120"/>
+                <a:ea typeface="微軟正黑體" pitchFamily="34" charset="-120"/>
+              </a:rPr>
+              <a:t>  </a:t>
+            </a:r>
+            <a:r>
+              <a:rPr lang="zh-TW" altLang="en-US" sz="4800" b="1" dirty="0">
+                <a:solidFill>
+                  <a:srgbClr val="000066"/>
+                </a:solidFill>
+                <a:latin typeface="微軟正黑體" pitchFamily="34" charset="-120"/>
+                <a:ea typeface="微軟正黑體" pitchFamily="34" charset="-120"/>
+              </a:rPr>
+              <a:t>心中熊熊愛火</a:t>
+            </a:r>
+            <a:endParaRPr lang="en-US" altLang="zh-TW" sz="4800" b="1" dirty="0">
+              <a:solidFill>
+                <a:srgbClr val="000066"/>
+              </a:solidFill>
+              <a:latin typeface="微軟正黑體" pitchFamily="34" charset="-120"/>
+              <a:ea typeface="微軟正黑體" pitchFamily="34" charset="-120"/>
+            </a:endParaRPr>
+          </a:p>
+          <a:p>
+            <a:pPr algn="ctr">
+              <a:buNone/>
+            </a:pPr>
+            <a:r>
+              <a:rPr lang="zh-TW" altLang="en-US" sz="4800" b="1" dirty="0">
+                <a:solidFill>
+                  <a:srgbClr val="000066"/>
+                </a:solidFill>
+                <a:latin typeface="微軟正黑體" pitchFamily="34" charset="-120"/>
+                <a:ea typeface="微軟正黑體" pitchFamily="34" charset="-120"/>
+              </a:rPr>
+              <a:t>我們一起 向世界 </a:t>
+            </a:r>
+            <a:r>
+              <a:rPr lang="zh-TW" altLang="en-US" sz="4800" b="1" dirty="0" smtClean="0">
+                <a:solidFill>
+                  <a:srgbClr val="000066"/>
+                </a:solidFill>
+                <a:latin typeface="微軟正黑體" pitchFamily="34" charset="-120"/>
+                <a:ea typeface="微軟正黑體" pitchFamily="34" charset="-120"/>
+              </a:rPr>
+              <a:t> 活</a:t>
+            </a:r>
+            <a:r>
+              <a:rPr lang="zh-TW" altLang="en-US" sz="4800" b="1" dirty="0">
+                <a:solidFill>
+                  <a:srgbClr val="000066"/>
+                </a:solidFill>
+                <a:latin typeface="微軟正黑體" pitchFamily="34" charset="-120"/>
+                <a:ea typeface="微軟正黑體" pitchFamily="34" charset="-120"/>
+              </a:rPr>
+              <a:t>出愛</a:t>
+            </a:r>
+            <a:endParaRPr lang="zh-TW" altLang="en-US" sz="4800" b="1" dirty="0">
+              <a:solidFill>
+                <a:srgbClr val="000066"/>
+              </a:solidFill>
+              <a:latin typeface="微軟正黑體" pitchFamily="34" charset="-120"/>
+              <a:ea typeface="微軟正黑體" pitchFamily="34" charset="-120"/>
+            </a:endParaRPr>
+          </a:p>
+        </p:txBody>
+      </p:sp>
+      <p:sp>
+        <p:nvSpPr>
+          <p:cNvPr id="3" name="TextBox 2"/>
+          <p:cNvSpPr txBox="1"/>
+          <p:nvPr/>
+        </p:nvSpPr>
+        <p:spPr>
+          <a:xfrm>
+            <a:off x="0" y="3867894"/>
+            <a:ext cx="9144000" cy="584775"/>
+          </a:xfrm>
+          <a:prstGeom prst="rect">
+            <a:avLst/>
+          </a:prstGeom>
+          <a:noFill/>
+        </p:spPr>
+        <p:txBody>
+          <a:bodyPr wrap="square" rtlCol="0">
+            <a:spAutoFit/>
+          </a:bodyPr>
+          <a:lstStyle/>
+          <a:p>
+            <a:pPr algn="ctr"/>
+            <a:r>
+              <a:rPr lang="en-US" sz="3200" b="1" dirty="0" smtClean="0">
+                <a:solidFill>
+                  <a:srgbClr val="000066"/>
+                </a:solidFill>
+                <a:latin typeface="Microsoft JhengHei" panose="020B0604030504040204" pitchFamily="34" charset="-120"/>
+                <a:ea typeface="Microsoft JhengHei" panose="020B0604030504040204" pitchFamily="34" charset="-120"/>
+              </a:rPr>
+              <a:t>( </a:t>
+            </a:r>
+            <a:r>
+              <a:rPr lang="zh-CN" altLang="en-US" sz="3200" b="1" dirty="0" smtClean="0">
+                <a:solidFill>
+                  <a:srgbClr val="000066"/>
+                </a:solidFill>
+                <a:latin typeface="Microsoft JhengHei" panose="020B0604030504040204" pitchFamily="34" charset="-120"/>
+                <a:ea typeface="Microsoft JhengHei" panose="020B0604030504040204" pitchFamily="34" charset="-120"/>
+              </a:rPr>
+              <a:t>副</a:t>
+            </a:r>
+            <a:r>
+              <a:rPr lang="en-US" sz="3200" b="1" dirty="0" smtClean="0">
+                <a:solidFill>
+                  <a:srgbClr val="000066"/>
+                </a:solidFill>
+                <a:latin typeface="Microsoft JhengHei" panose="020B0604030504040204" pitchFamily="34" charset="-120"/>
+                <a:ea typeface="Microsoft JhengHei" panose="020B0604030504040204" pitchFamily="34" charset="-120"/>
+              </a:rPr>
+              <a:t> </a:t>
+            </a:r>
+            <a:r>
+              <a:rPr lang="en-US" sz="3200" b="1" dirty="0" smtClean="0">
+                <a:solidFill>
+                  <a:srgbClr val="000066"/>
+                </a:solidFill>
+                <a:latin typeface="Microsoft JhengHei" panose="020B0604030504040204" pitchFamily="34" charset="-120"/>
+                <a:ea typeface="Microsoft JhengHei" panose="020B0604030504040204" pitchFamily="34" charset="-120"/>
+              </a:rPr>
+              <a:t>)</a:t>
+            </a:r>
+            <a:endParaRPr lang="vi-VN" sz="3200" b="1" dirty="0">
+              <a:solidFill>
+                <a:srgbClr val="000066"/>
+              </a:solidFill>
+              <a:ea typeface="Microsoft JhengHei" panose="020B0604030504040204" pitchFamily="34" charset="-120"/>
+            </a:endParaRPr>
+          </a:p>
+        </p:txBody>
+      </p:sp>
+    </p:spTree>
+    <p:extLst>
+      <p:ext uri="{BB962C8B-B14F-4D97-AF65-F5344CB8AC3E}">
+        <p14:creationId xmlns:p14="http://schemas.microsoft.com/office/powerpoint/2010/main" val="3826321352"/>
+      </p:ext>
+    </p:extLst>
   </p:cSld>
   <p:clrMapOvr>
     <a:masterClrMapping/>
